--- a/Multi_Agent/PPTX/The StarCraft Multi-Agent Challenge.pptx
+++ b/Multi_Agent/PPTX/The StarCraft Multi-Agent Challenge.pptx
@@ -5,7 +5,7 @@
     <p:sldMasterId id="2147483672" r:id="rId1"/>
   </p:sldMasterIdLst>
   <p:notesMasterIdLst>
-    <p:notesMasterId r:id="rId31"/>
+    <p:notesMasterId r:id="rId29"/>
   </p:notesMasterIdLst>
   <p:sldIdLst>
     <p:sldId id="449" r:id="rId2"/>
@@ -16,27 +16,25 @@
     <p:sldId id="482" r:id="rId7"/>
     <p:sldId id="553" r:id="rId8"/>
     <p:sldId id="554" r:id="rId9"/>
-    <p:sldId id="532" r:id="rId10"/>
-    <p:sldId id="533" r:id="rId11"/>
-    <p:sldId id="535" r:id="rId12"/>
-    <p:sldId id="497" r:id="rId13"/>
-    <p:sldId id="555" r:id="rId14"/>
-    <p:sldId id="556" r:id="rId15"/>
-    <p:sldId id="546" r:id="rId16"/>
-    <p:sldId id="557" r:id="rId17"/>
-    <p:sldId id="558" r:id="rId18"/>
-    <p:sldId id="559" r:id="rId19"/>
-    <p:sldId id="536" r:id="rId20"/>
-    <p:sldId id="537" r:id="rId21"/>
-    <p:sldId id="560" r:id="rId22"/>
-    <p:sldId id="547" r:id="rId23"/>
-    <p:sldId id="561" r:id="rId24"/>
-    <p:sldId id="562" r:id="rId25"/>
-    <p:sldId id="563" r:id="rId26"/>
-    <p:sldId id="564" r:id="rId27"/>
-    <p:sldId id="565" r:id="rId28"/>
-    <p:sldId id="566" r:id="rId29"/>
-    <p:sldId id="548" r:id="rId30"/>
+    <p:sldId id="535" r:id="rId10"/>
+    <p:sldId id="497" r:id="rId11"/>
+    <p:sldId id="555" r:id="rId12"/>
+    <p:sldId id="556" r:id="rId13"/>
+    <p:sldId id="546" r:id="rId14"/>
+    <p:sldId id="557" r:id="rId15"/>
+    <p:sldId id="558" r:id="rId16"/>
+    <p:sldId id="559" r:id="rId17"/>
+    <p:sldId id="536" r:id="rId18"/>
+    <p:sldId id="537" r:id="rId19"/>
+    <p:sldId id="560" r:id="rId20"/>
+    <p:sldId id="547" r:id="rId21"/>
+    <p:sldId id="561" r:id="rId22"/>
+    <p:sldId id="562" r:id="rId23"/>
+    <p:sldId id="563" r:id="rId24"/>
+    <p:sldId id="564" r:id="rId25"/>
+    <p:sldId id="565" r:id="rId26"/>
+    <p:sldId id="566" r:id="rId27"/>
+    <p:sldId id="548" r:id="rId28"/>
   </p:sldIdLst>
   <p:sldSz cx="9144000" cy="6858000" type="screen4x3"/>
   <p:notesSz cx="6797675" cy="9928225"/>
@@ -248,7 +246,7 @@
           <a:p>
             <a:fld id="{AF85BF95-9674-4AD9-9C79-594932E5DA65}" type="datetimeFigureOut">
               <a:rPr lang="ko-KR" altLang="en-US" smtClean="0"/>
-              <a:t>2020-03-09</a:t>
+              <a:t>2020-03-10</a:t>
             </a:fld>
             <a:endParaRPr lang="ko-KR" altLang="en-US"/>
           </a:p>
@@ -747,7 +745,7 @@
     </p:spTree>
     <p:extLst>
       <p:ext uri="{BB962C8B-B14F-4D97-AF65-F5344CB8AC3E}">
-        <p14:creationId xmlns:p14="http://schemas.microsoft.com/office/powerpoint/2010/main" val="2723427009"/>
+        <p14:creationId xmlns:p14="http://schemas.microsoft.com/office/powerpoint/2010/main" val="3361754453"/>
       </p:ext>
     </p:extLst>
   </p:cSld>
@@ -853,7 +851,7 @@
           <a:p>
             <a:fld id="{C6F45755-919B-47ED-8D88-DB115CB9423E}" type="slidenum">
               <a:rPr lang="ko-KR" altLang="en-US" smtClean="0"/>
-              <a:t>17</a:t>
+              <a:t>18</a:t>
             </a:fld>
             <a:endParaRPr lang="ko-KR" altLang="en-US"/>
           </a:p>
@@ -862,7 +860,7 @@
     </p:spTree>
     <p:extLst>
       <p:ext uri="{BB962C8B-B14F-4D97-AF65-F5344CB8AC3E}">
-        <p14:creationId xmlns:p14="http://schemas.microsoft.com/office/powerpoint/2010/main" val="343081037"/>
+        <p14:creationId xmlns:p14="http://schemas.microsoft.com/office/powerpoint/2010/main" val="4079931059"/>
       </p:ext>
     </p:extLst>
   </p:cSld>
@@ -968,7 +966,7 @@
           <a:p>
             <a:fld id="{C6F45755-919B-47ED-8D88-DB115CB9423E}" type="slidenum">
               <a:rPr lang="ko-KR" altLang="en-US" smtClean="0"/>
-              <a:t>18</a:t>
+              <a:t>20</a:t>
             </a:fld>
             <a:endParaRPr lang="ko-KR" altLang="en-US"/>
           </a:p>
@@ -977,7 +975,7 @@
     </p:spTree>
     <p:extLst>
       <p:ext uri="{BB962C8B-B14F-4D97-AF65-F5344CB8AC3E}">
-        <p14:creationId xmlns:p14="http://schemas.microsoft.com/office/powerpoint/2010/main" val="3361754453"/>
+        <p14:creationId xmlns:p14="http://schemas.microsoft.com/office/powerpoint/2010/main" val="464787171"/>
       </p:ext>
     </p:extLst>
   </p:cSld>
@@ -1083,7 +1081,7 @@
           <a:p>
             <a:fld id="{C6F45755-919B-47ED-8D88-DB115CB9423E}" type="slidenum">
               <a:rPr lang="ko-KR" altLang="en-US" smtClean="0"/>
-              <a:t>20</a:t>
+              <a:t>21</a:t>
             </a:fld>
             <a:endParaRPr lang="ko-KR" altLang="en-US"/>
           </a:p>
@@ -1092,7 +1090,7 @@
     </p:spTree>
     <p:extLst>
       <p:ext uri="{BB962C8B-B14F-4D97-AF65-F5344CB8AC3E}">
-        <p14:creationId xmlns:p14="http://schemas.microsoft.com/office/powerpoint/2010/main" val="4079931059"/>
+        <p14:creationId xmlns:p14="http://schemas.microsoft.com/office/powerpoint/2010/main" val="4018158199"/>
       </p:ext>
     </p:extLst>
   </p:cSld>
@@ -1207,7 +1205,7 @@
     </p:spTree>
     <p:extLst>
       <p:ext uri="{BB962C8B-B14F-4D97-AF65-F5344CB8AC3E}">
-        <p14:creationId xmlns:p14="http://schemas.microsoft.com/office/powerpoint/2010/main" val="464787171"/>
+        <p14:creationId xmlns:p14="http://schemas.microsoft.com/office/powerpoint/2010/main" val="49532262"/>
       </p:ext>
     </p:extLst>
   </p:cSld>
@@ -1322,7 +1320,7 @@
     </p:spTree>
     <p:extLst>
       <p:ext uri="{BB962C8B-B14F-4D97-AF65-F5344CB8AC3E}">
-        <p14:creationId xmlns:p14="http://schemas.microsoft.com/office/powerpoint/2010/main" val="4018158199"/>
+        <p14:creationId xmlns:p14="http://schemas.microsoft.com/office/powerpoint/2010/main" val="303929914"/>
       </p:ext>
     </p:extLst>
   </p:cSld>
@@ -1437,7 +1435,7 @@
     </p:spTree>
     <p:extLst>
       <p:ext uri="{BB962C8B-B14F-4D97-AF65-F5344CB8AC3E}">
-        <p14:creationId xmlns:p14="http://schemas.microsoft.com/office/powerpoint/2010/main" val="49532262"/>
+        <p14:creationId xmlns:p14="http://schemas.microsoft.com/office/powerpoint/2010/main" val="2847712594"/>
       </p:ext>
     </p:extLst>
   </p:cSld>
@@ -1552,7 +1550,7 @@
     </p:spTree>
     <p:extLst>
       <p:ext uri="{BB962C8B-B14F-4D97-AF65-F5344CB8AC3E}">
-        <p14:creationId xmlns:p14="http://schemas.microsoft.com/office/powerpoint/2010/main" val="303929914"/>
+        <p14:creationId xmlns:p14="http://schemas.microsoft.com/office/powerpoint/2010/main" val="1066763158"/>
       </p:ext>
     </p:extLst>
   </p:cSld>
@@ -1658,7 +1656,7 @@
           <a:p>
             <a:fld id="{C6F45755-919B-47ED-8D88-DB115CB9423E}" type="slidenum">
               <a:rPr lang="ko-KR" altLang="en-US" smtClean="0"/>
-              <a:t>26</a:t>
+              <a:t>27</a:t>
             </a:fld>
             <a:endParaRPr lang="ko-KR" altLang="en-US"/>
           </a:p>
@@ -1667,122 +1665,7 @@
     </p:spTree>
     <p:extLst>
       <p:ext uri="{BB962C8B-B14F-4D97-AF65-F5344CB8AC3E}">
-        <p14:creationId xmlns:p14="http://schemas.microsoft.com/office/powerpoint/2010/main" val="2847712594"/>
-      </p:ext>
-    </p:extLst>
-  </p:cSld>
-  <p:clrMapOvr>
-    <a:masterClrMapping/>
-  </p:clrMapOvr>
-</p:notes>
-</file>
-
-<file path=ppt/notesSlides/notesSlide19.xml><?xml version="1.0" encoding="utf-8"?>
-<p:notes xmlns:a="http://schemas.openxmlformats.org/drawingml/2006/main" xmlns:r="http://schemas.openxmlformats.org/officeDocument/2006/relationships" xmlns:p="http://schemas.openxmlformats.org/presentationml/2006/main">
-  <p:cSld>
-    <p:spTree>
-      <p:nvGrpSpPr>
-        <p:cNvPr id="1" name=""/>
-        <p:cNvGrpSpPr/>
-        <p:nvPr/>
-      </p:nvGrpSpPr>
-      <p:grpSpPr>
-        <a:xfrm>
-          <a:off x="0" y="0"/>
-          <a:ext cx="0" cy="0"/>
-          <a:chOff x="0" y="0"/>
-          <a:chExt cx="0" cy="0"/>
-        </a:xfrm>
-      </p:grpSpPr>
-      <p:sp>
-        <p:nvSpPr>
-          <p:cNvPr id="2" name="슬라이드 이미지 개체 틀 1"/>
-          <p:cNvSpPr>
-            <a:spLocks noGrp="1" noRot="1" noChangeAspect="1"/>
-          </p:cNvSpPr>
-          <p:nvPr>
-            <p:ph type="sldImg"/>
-          </p:nvPr>
-        </p:nvSpPr>
-        <p:spPr/>
-      </p:sp>
-      <p:sp>
-        <p:nvSpPr>
-          <p:cNvPr id="3" name="슬라이드 노트 개체 틀 2"/>
-          <p:cNvSpPr>
-            <a:spLocks noGrp="1"/>
-          </p:cNvSpPr>
-          <p:nvPr>
-            <p:ph type="body" idx="1"/>
-          </p:nvPr>
-        </p:nvSpPr>
-        <p:spPr/>
-        <p:txBody>
-          <a:bodyPr/>
-          <a:lstStyle/>
-          <a:p>
-            <a:pPr marL="0" marR="0" lvl="0" indent="0" algn="l" defTabSz="914400" rtl="0" eaLnBrk="1" fontAlgn="auto" latinLnBrk="1" hangingPunct="1">
-              <a:lnSpc>
-                <a:spcPct val="100000"/>
-              </a:lnSpc>
-              <a:spcBef>
-                <a:spcPts val="0"/>
-              </a:spcBef>
-              <a:spcAft>
-                <a:spcPts val="0"/>
-              </a:spcAft>
-              <a:buClrTx/>
-              <a:buSzTx/>
-              <a:buFontTx/>
-              <a:buNone/>
-              <a:tabLst/>
-              <a:defRPr/>
-            </a:pPr>
-            <a:r>
-              <a:rPr lang="en-US" altLang="ko-KR" sz="1200" dirty="0"/>
-              <a:t>Thus, Q-learning algorithms can be applied to arbitrarily complex problems (with a very large state space) but their </a:t>
-            </a:r>
-            <a:r>
-              <a:rPr lang="en-US" altLang="ko-KR" sz="1200" b="1" u="sng" dirty="0"/>
-              <a:t>action space has to be limited</a:t>
-            </a:r>
-            <a:r>
-              <a:rPr lang="en-US" altLang="ko-KR" sz="1200" dirty="0"/>
-              <a:t>. </a:t>
-            </a:r>
-          </a:p>
-          <a:p>
-            <a:endParaRPr lang="ko-KR" altLang="en-US" dirty="0"/>
-          </a:p>
-        </p:txBody>
-      </p:sp>
-      <p:sp>
-        <p:nvSpPr>
-          <p:cNvPr id="4" name="슬라이드 번호 개체 틀 3"/>
-          <p:cNvSpPr>
-            <a:spLocks noGrp="1"/>
-          </p:cNvSpPr>
-          <p:nvPr>
-            <p:ph type="sldNum" sz="quarter" idx="5"/>
-          </p:nvPr>
-        </p:nvSpPr>
-        <p:spPr/>
-        <p:txBody>
-          <a:bodyPr/>
-          <a:lstStyle/>
-          <a:p>
-            <a:fld id="{C6F45755-919B-47ED-8D88-DB115CB9423E}" type="slidenum">
-              <a:rPr lang="ko-KR" altLang="en-US" smtClean="0"/>
-              <a:t>27</a:t>
-            </a:fld>
-            <a:endParaRPr lang="ko-KR" altLang="en-US"/>
-          </a:p>
-        </p:txBody>
-      </p:sp>
-    </p:spTree>
-    <p:extLst>
-      <p:ext uri="{BB962C8B-B14F-4D97-AF65-F5344CB8AC3E}">
-        <p14:creationId xmlns:p14="http://schemas.microsoft.com/office/powerpoint/2010/main" val="1066763158"/>
+        <p14:creationId xmlns:p14="http://schemas.microsoft.com/office/powerpoint/2010/main" val="1290157332"/>
       </p:ext>
     </p:extLst>
   </p:cSld>
@@ -1898,121 +1781,6 @@
     <p:extLst>
       <p:ext uri="{BB962C8B-B14F-4D97-AF65-F5344CB8AC3E}">
         <p14:creationId xmlns:p14="http://schemas.microsoft.com/office/powerpoint/2010/main" val="3849237054"/>
-      </p:ext>
-    </p:extLst>
-  </p:cSld>
-  <p:clrMapOvr>
-    <a:masterClrMapping/>
-  </p:clrMapOvr>
-</p:notes>
-</file>
-
-<file path=ppt/notesSlides/notesSlide20.xml><?xml version="1.0" encoding="utf-8"?>
-<p:notes xmlns:a="http://schemas.openxmlformats.org/drawingml/2006/main" xmlns:r="http://schemas.openxmlformats.org/officeDocument/2006/relationships" xmlns:p="http://schemas.openxmlformats.org/presentationml/2006/main">
-  <p:cSld>
-    <p:spTree>
-      <p:nvGrpSpPr>
-        <p:cNvPr id="1" name=""/>
-        <p:cNvGrpSpPr/>
-        <p:nvPr/>
-      </p:nvGrpSpPr>
-      <p:grpSpPr>
-        <a:xfrm>
-          <a:off x="0" y="0"/>
-          <a:ext cx="0" cy="0"/>
-          <a:chOff x="0" y="0"/>
-          <a:chExt cx="0" cy="0"/>
-        </a:xfrm>
-      </p:grpSpPr>
-      <p:sp>
-        <p:nvSpPr>
-          <p:cNvPr id="2" name="슬라이드 이미지 개체 틀 1"/>
-          <p:cNvSpPr>
-            <a:spLocks noGrp="1" noRot="1" noChangeAspect="1"/>
-          </p:cNvSpPr>
-          <p:nvPr>
-            <p:ph type="sldImg"/>
-          </p:nvPr>
-        </p:nvSpPr>
-        <p:spPr/>
-      </p:sp>
-      <p:sp>
-        <p:nvSpPr>
-          <p:cNvPr id="3" name="슬라이드 노트 개체 틀 2"/>
-          <p:cNvSpPr>
-            <a:spLocks noGrp="1"/>
-          </p:cNvSpPr>
-          <p:nvPr>
-            <p:ph type="body" idx="1"/>
-          </p:nvPr>
-        </p:nvSpPr>
-        <p:spPr/>
-        <p:txBody>
-          <a:bodyPr/>
-          <a:lstStyle/>
-          <a:p>
-            <a:pPr marL="0" marR="0" lvl="0" indent="0" algn="l" defTabSz="914400" rtl="0" eaLnBrk="1" fontAlgn="auto" latinLnBrk="1" hangingPunct="1">
-              <a:lnSpc>
-                <a:spcPct val="100000"/>
-              </a:lnSpc>
-              <a:spcBef>
-                <a:spcPts val="0"/>
-              </a:spcBef>
-              <a:spcAft>
-                <a:spcPts val="0"/>
-              </a:spcAft>
-              <a:buClrTx/>
-              <a:buSzTx/>
-              <a:buFontTx/>
-              <a:buNone/>
-              <a:tabLst/>
-              <a:defRPr/>
-            </a:pPr>
-            <a:r>
-              <a:rPr lang="en-US" altLang="ko-KR" sz="1200" dirty="0"/>
-              <a:t>Thus, Q-learning algorithms can be applied to arbitrarily complex problems (with a very large state space) but their </a:t>
-            </a:r>
-            <a:r>
-              <a:rPr lang="en-US" altLang="ko-KR" sz="1200" b="1" u="sng" dirty="0"/>
-              <a:t>action space has to be limited</a:t>
-            </a:r>
-            <a:r>
-              <a:rPr lang="en-US" altLang="ko-KR" sz="1200" dirty="0"/>
-              <a:t>. </a:t>
-            </a:r>
-          </a:p>
-          <a:p>
-            <a:endParaRPr lang="ko-KR" altLang="en-US" dirty="0"/>
-          </a:p>
-        </p:txBody>
-      </p:sp>
-      <p:sp>
-        <p:nvSpPr>
-          <p:cNvPr id="4" name="슬라이드 번호 개체 틀 3"/>
-          <p:cNvSpPr>
-            <a:spLocks noGrp="1"/>
-          </p:cNvSpPr>
-          <p:nvPr>
-            <p:ph type="sldNum" sz="quarter" idx="5"/>
-          </p:nvPr>
-        </p:nvSpPr>
-        <p:spPr/>
-        <p:txBody>
-          <a:bodyPr/>
-          <a:lstStyle/>
-          <a:p>
-            <a:fld id="{C6F45755-919B-47ED-8D88-DB115CB9423E}" type="slidenum">
-              <a:rPr lang="ko-KR" altLang="en-US" smtClean="0"/>
-              <a:t>29</a:t>
-            </a:fld>
-            <a:endParaRPr lang="ko-KR" altLang="en-US"/>
-          </a:p>
-        </p:txBody>
-      </p:sp>
-    </p:spTree>
-    <p:extLst>
-      <p:ext uri="{BB962C8B-B14F-4D97-AF65-F5344CB8AC3E}">
-        <p14:creationId xmlns:p14="http://schemas.microsoft.com/office/powerpoint/2010/main" val="1290157332"/>
       </p:ext>
     </p:extLst>
   </p:cSld>
@@ -2348,7 +2116,7 @@
           <a:p>
             <a:fld id="{C6F45755-919B-47ED-8D88-DB115CB9423E}" type="slidenum">
               <a:rPr lang="ko-KR" altLang="en-US" smtClean="0"/>
-              <a:t>9</a:t>
+              <a:t>10</a:t>
             </a:fld>
             <a:endParaRPr lang="ko-KR" altLang="en-US"/>
           </a:p>
@@ -2357,7 +2125,7 @@
     </p:spTree>
     <p:extLst>
       <p:ext uri="{BB962C8B-B14F-4D97-AF65-F5344CB8AC3E}">
-        <p14:creationId xmlns:p14="http://schemas.microsoft.com/office/powerpoint/2010/main" val="1941690543"/>
+        <p14:creationId xmlns:p14="http://schemas.microsoft.com/office/powerpoint/2010/main" val="3105042151"/>
       </p:ext>
     </p:extLst>
   </p:cSld>
@@ -2429,213 +2197,19 @@
               <a:defRPr/>
             </a:pPr>
             <a:r>
-              <a:rPr lang="ko-KR" altLang="en-US" sz="1200" dirty="0"/>
-              <a:t>각 </a:t>
-            </a:r>
-            <a:r>
-              <a:rPr lang="en-US" altLang="ko-KR" dirty="0"/>
-              <a:t>agent</a:t>
-            </a:r>
-            <a:r>
-              <a:rPr lang="ko-KR" altLang="en-US" dirty="0"/>
-              <a:t>의</a:t>
-            </a:r>
-            <a:r>
-              <a:rPr lang="en-US" altLang="ko-KR" dirty="0"/>
-              <a:t> Q</a:t>
-            </a:r>
-            <a:r>
-              <a:rPr lang="ko-KR" altLang="en-US" dirty="0"/>
-              <a:t>함수는 개인 </a:t>
-            </a:r>
-            <a:r>
-              <a:rPr lang="en-US" altLang="ko-KR" dirty="0"/>
-              <a:t>agent</a:t>
-            </a:r>
-            <a:r>
-              <a:rPr lang="ko-KR" altLang="en-US" dirty="0"/>
-              <a:t>의 </a:t>
-            </a:r>
-            <a:r>
-              <a:rPr lang="en-US" altLang="ko-KR" dirty="0"/>
-              <a:t>observations and actions </a:t>
-            </a:r>
-            <a:r>
-              <a:rPr lang="ko-KR" altLang="en-US" dirty="0"/>
-              <a:t>만 </a:t>
-            </a:r>
-            <a:r>
-              <a:rPr lang="ko-KR" altLang="en-US" dirty="0" err="1"/>
-              <a:t>신경쓴다</a:t>
-            </a:r>
-            <a:endParaRPr lang="en-US" altLang="ko-KR" dirty="0"/>
-          </a:p>
-          <a:p>
-            <a:pPr marL="0" marR="0" lvl="0" indent="0" algn="l" defTabSz="914400" rtl="0" eaLnBrk="1" fontAlgn="auto" latinLnBrk="1" hangingPunct="1">
-              <a:lnSpc>
-                <a:spcPct val="100000"/>
-              </a:lnSpc>
-              <a:spcBef>
-                <a:spcPts val="0"/>
-              </a:spcBef>
-              <a:spcAft>
-                <a:spcPts val="0"/>
-              </a:spcAft>
-              <a:buClrTx/>
-              <a:buSzTx/>
-              <a:buFontTx/>
-              <a:buNone/>
-              <a:tabLst/>
-              <a:defRPr/>
-            </a:pPr>
-            <a:r>
-              <a:rPr lang="en-US" altLang="ko-KR" dirty="0" err="1"/>
-              <a:t>decentralised</a:t>
-            </a:r>
-            <a:r>
-              <a:rPr lang="en-US" altLang="ko-KR" dirty="0"/>
-              <a:t> policy - agent </a:t>
-            </a:r>
-            <a:r>
-              <a:rPr lang="ko-KR" altLang="en-US" dirty="0"/>
-              <a:t>가 </a:t>
-            </a:r>
-            <a:r>
-              <a:rPr lang="en-US" altLang="ko-KR" dirty="0"/>
-              <a:t>Q</a:t>
-            </a:r>
-            <a:r>
-              <a:rPr lang="ko-KR" altLang="en-US" dirty="0"/>
-              <a:t>함수를 </a:t>
-            </a:r>
-            <a:r>
-              <a:rPr lang="en-US" altLang="ko-KR" dirty="0"/>
-              <a:t>greedy</a:t>
-            </a:r>
-            <a:r>
-              <a:rPr lang="ko-KR" altLang="en-US" dirty="0"/>
-              <a:t>하게 선택함 </a:t>
-            </a:r>
-            <a:endParaRPr lang="en-US" altLang="ko-KR" dirty="0"/>
-          </a:p>
-          <a:p>
-            <a:pPr marL="0" marR="0" lvl="0" indent="0" algn="l" defTabSz="914400" rtl="0" eaLnBrk="1" fontAlgn="auto" latinLnBrk="1" hangingPunct="1">
-              <a:lnSpc>
-                <a:spcPct val="100000"/>
-              </a:lnSpc>
-              <a:spcBef>
-                <a:spcPts val="0"/>
-              </a:spcBef>
-              <a:spcAft>
-                <a:spcPts val="0"/>
-              </a:spcAft>
-              <a:buClrTx/>
-              <a:buSzTx/>
-              <a:buFontTx/>
-              <a:buNone/>
-              <a:tabLst/>
-              <a:defRPr/>
-            </a:pPr>
-            <a:endParaRPr lang="en-US" altLang="ko-KR" dirty="0"/>
-          </a:p>
-          <a:p>
-            <a:pPr marL="0" marR="0" lvl="0" indent="0" algn="l" defTabSz="914400" rtl="0" eaLnBrk="1" fontAlgn="auto" latinLnBrk="1" hangingPunct="1">
-              <a:lnSpc>
-                <a:spcPct val="100000"/>
-              </a:lnSpc>
-              <a:spcBef>
-                <a:spcPts val="0"/>
-              </a:spcBef>
-              <a:spcAft>
-                <a:spcPts val="0"/>
-              </a:spcAft>
-              <a:buClrTx/>
-              <a:buSzTx/>
-              <a:buFontTx/>
-              <a:buNone/>
-              <a:tabLst/>
-              <a:defRPr/>
-            </a:pPr>
-            <a:endParaRPr lang="en-US" altLang="ko-KR" dirty="0"/>
-          </a:p>
-          <a:p>
-            <a:pPr marL="0" marR="0" lvl="0" indent="0" algn="l" defTabSz="914400" rtl="0" eaLnBrk="1" fontAlgn="auto" latinLnBrk="1" hangingPunct="1">
-              <a:lnSpc>
-                <a:spcPct val="100000"/>
-              </a:lnSpc>
-              <a:spcBef>
-                <a:spcPts val="0"/>
-              </a:spcBef>
-              <a:spcAft>
-                <a:spcPts val="0"/>
-              </a:spcAft>
-              <a:buClrTx/>
-              <a:buSzTx/>
-              <a:buFontTx/>
-              <a:buNone/>
-              <a:tabLst/>
-              <a:defRPr/>
-            </a:pPr>
-            <a:r>
-              <a:rPr lang="ko-KR" altLang="en-US" dirty="0"/>
-              <a:t>따라서 지금까지 본</a:t>
-            </a:r>
-            <a:endParaRPr lang="en-US" altLang="ko-KR" dirty="0"/>
-          </a:p>
-          <a:p>
-            <a:pPr marL="0" marR="0" lvl="0" indent="0" algn="l" defTabSz="914400" rtl="0" eaLnBrk="1" fontAlgn="auto" latinLnBrk="1" hangingPunct="1">
-              <a:lnSpc>
-                <a:spcPct val="100000"/>
-              </a:lnSpc>
-              <a:spcBef>
-                <a:spcPts val="0"/>
-              </a:spcBef>
-              <a:spcAft>
-                <a:spcPts val="0"/>
-              </a:spcAft>
-              <a:buClrTx/>
-              <a:buSzTx/>
-              <a:buFontTx/>
-              <a:buNone/>
-              <a:tabLst/>
-              <a:defRPr/>
-            </a:pPr>
-            <a:r>
-              <a:rPr lang="en-US" altLang="ko-KR" dirty="0"/>
-              <a:t>IQL,</a:t>
-            </a:r>
-            <a:r>
-              <a:rPr lang="ko-KR" altLang="en-US" dirty="0"/>
-              <a:t> </a:t>
-            </a:r>
-            <a:r>
-              <a:rPr lang="en-US" altLang="ko-KR" dirty="0"/>
-              <a:t>COMA,</a:t>
-            </a:r>
-            <a:r>
-              <a:rPr lang="ko-KR" altLang="en-US" dirty="0"/>
-              <a:t> </a:t>
-            </a:r>
-            <a:r>
-              <a:rPr lang="en-US" altLang="ko-KR" dirty="0"/>
-              <a:t>VDN</a:t>
-            </a:r>
-            <a:r>
-              <a:rPr lang="ko-KR" altLang="en-US" dirty="0"/>
-              <a:t>의 한계가 명확해 새로운 </a:t>
-            </a:r>
-            <a:r>
-              <a:rPr lang="en-US" altLang="ko-KR" dirty="0"/>
-              <a:t>QMIX</a:t>
-            </a:r>
-            <a:r>
-              <a:rPr lang="ko-KR" altLang="en-US" dirty="0"/>
-              <a:t>를 제안한다</a:t>
-            </a:r>
-            <a:r>
-              <a:rPr lang="en-US" altLang="ko-KR" dirty="0"/>
-              <a:t>.</a:t>
-            </a:r>
+              <a:rPr lang="en-US" altLang="ko-KR" sz="1200" dirty="0"/>
+              <a:t>Thus, Q-learning algorithms can be applied to arbitrarily complex problems (with a very large state space) but their </a:t>
+            </a:r>
+            <a:r>
+              <a:rPr lang="en-US" altLang="ko-KR" sz="1200" b="1" u="sng" dirty="0"/>
+              <a:t>action space has to be limited</a:t>
+            </a:r>
+            <a:r>
+              <a:rPr lang="en-US" altLang="ko-KR" sz="1200" dirty="0"/>
+              <a:t>. </a:t>
+            </a:r>
+          </a:p>
+          <a:p>
             <a:endParaRPr lang="ko-KR" altLang="en-US" dirty="0"/>
           </a:p>
         </p:txBody>
@@ -2657,7 +2231,7 @@
           <a:p>
             <a:fld id="{C6F45755-919B-47ED-8D88-DB115CB9423E}" type="slidenum">
               <a:rPr lang="ko-KR" altLang="en-US" smtClean="0"/>
-              <a:t>10</a:t>
+              <a:t>11</a:t>
             </a:fld>
             <a:endParaRPr lang="ko-KR" altLang="en-US"/>
           </a:p>
@@ -2666,7 +2240,7 @@
     </p:spTree>
     <p:extLst>
       <p:ext uri="{BB962C8B-B14F-4D97-AF65-F5344CB8AC3E}">
-        <p14:creationId xmlns:p14="http://schemas.microsoft.com/office/powerpoint/2010/main" val="831757901"/>
+        <p14:creationId xmlns:p14="http://schemas.microsoft.com/office/powerpoint/2010/main" val="791262561"/>
       </p:ext>
     </p:extLst>
   </p:cSld>
@@ -2772,7 +2346,7 @@
           <a:p>
             <a:fld id="{C6F45755-919B-47ED-8D88-DB115CB9423E}" type="slidenum">
               <a:rPr lang="ko-KR" altLang="en-US" smtClean="0"/>
-              <a:t>12</a:t>
+              <a:t>13</a:t>
             </a:fld>
             <a:endParaRPr lang="ko-KR" altLang="en-US"/>
           </a:p>
@@ -2781,7 +2355,7 @@
     </p:spTree>
     <p:extLst>
       <p:ext uri="{BB962C8B-B14F-4D97-AF65-F5344CB8AC3E}">
-        <p14:creationId xmlns:p14="http://schemas.microsoft.com/office/powerpoint/2010/main" val="3105042151"/>
+        <p14:creationId xmlns:p14="http://schemas.microsoft.com/office/powerpoint/2010/main" val="1665802509"/>
       </p:ext>
     </p:extLst>
   </p:cSld>
@@ -2887,7 +2461,7 @@
           <a:p>
             <a:fld id="{C6F45755-919B-47ED-8D88-DB115CB9423E}" type="slidenum">
               <a:rPr lang="ko-KR" altLang="en-US" smtClean="0"/>
-              <a:t>13</a:t>
+              <a:t>14</a:t>
             </a:fld>
             <a:endParaRPr lang="ko-KR" altLang="en-US"/>
           </a:p>
@@ -2896,7 +2470,7 @@
     </p:spTree>
     <p:extLst>
       <p:ext uri="{BB962C8B-B14F-4D97-AF65-F5344CB8AC3E}">
-        <p14:creationId xmlns:p14="http://schemas.microsoft.com/office/powerpoint/2010/main" val="791262561"/>
+        <p14:creationId xmlns:p14="http://schemas.microsoft.com/office/powerpoint/2010/main" val="2723427009"/>
       </p:ext>
     </p:extLst>
   </p:cSld>
@@ -3011,7 +2585,7 @@
     </p:spTree>
     <p:extLst>
       <p:ext uri="{BB962C8B-B14F-4D97-AF65-F5344CB8AC3E}">
-        <p14:creationId xmlns:p14="http://schemas.microsoft.com/office/powerpoint/2010/main" val="1665802509"/>
+        <p14:creationId xmlns:p14="http://schemas.microsoft.com/office/powerpoint/2010/main" val="343081037"/>
       </p:ext>
     </p:extLst>
   </p:cSld>
@@ -3224,7 +2798,7 @@
             <a:fld id="{D0DB8FD8-EA96-4975-82CC-472F95990E2A}" type="datetimeFigureOut">
               <a:rPr lang="ko-KR" altLang="en-US" smtClean="0"/>
               <a:pPr/>
-              <a:t>2020-03-09</a:t>
+              <a:t>2020-03-10</a:t>
             </a:fld>
             <a:endParaRPr lang="ko-KR" altLang="en-US"/>
           </a:p>
@@ -3467,7 +3041,7 @@
             <a:fld id="{D0DB8FD8-EA96-4975-82CC-472F95990E2A}" type="datetimeFigureOut">
               <a:rPr lang="ko-KR" altLang="en-US" smtClean="0"/>
               <a:pPr/>
-              <a:t>2020-03-09</a:t>
+              <a:t>2020-03-10</a:t>
             </a:fld>
             <a:endParaRPr lang="ko-KR" altLang="en-US"/>
           </a:p>
@@ -3661,7 +3235,7 @@
             <a:fld id="{D0DB8FD8-EA96-4975-82CC-472F95990E2A}" type="datetimeFigureOut">
               <a:rPr lang="ko-KR" altLang="en-US" smtClean="0"/>
               <a:pPr/>
-              <a:t>2020-03-09</a:t>
+              <a:t>2020-03-10</a:t>
             </a:fld>
             <a:endParaRPr lang="ko-KR" altLang="en-US"/>
           </a:p>
@@ -3846,7 +3420,7 @@
             <a:fld id="{D0DB8FD8-EA96-4975-82CC-472F95990E2A}" type="datetimeFigureOut">
               <a:rPr lang="ko-KR" altLang="en-US" smtClean="0"/>
               <a:pPr/>
-              <a:t>2020-03-09</a:t>
+              <a:t>2020-03-10</a:t>
             </a:fld>
             <a:endParaRPr lang="ko-KR" altLang="en-US"/>
           </a:p>
@@ -4032,7 +3606,7 @@
             <a:fld id="{D0DB8FD8-EA96-4975-82CC-472F95990E2A}" type="datetimeFigureOut">
               <a:rPr lang="ko-KR" altLang="en-US" smtClean="0"/>
               <a:pPr/>
-              <a:t>2020-03-09</a:t>
+              <a:t>2020-03-10</a:t>
             </a:fld>
             <a:endParaRPr lang="ko-KR" altLang="en-US"/>
           </a:p>
@@ -4283,7 +3857,7 @@
             <a:fld id="{D0DB8FD8-EA96-4975-82CC-472F95990E2A}" type="datetimeFigureOut">
               <a:rPr lang="ko-KR" altLang="en-US" smtClean="0"/>
               <a:pPr/>
-              <a:t>2020-03-09</a:t>
+              <a:t>2020-03-10</a:t>
             </a:fld>
             <a:endParaRPr lang="ko-KR" altLang="en-US"/>
           </a:p>
@@ -4555,7 +4129,7 @@
             <a:fld id="{D0DB8FD8-EA96-4975-82CC-472F95990E2A}" type="datetimeFigureOut">
               <a:rPr lang="ko-KR" altLang="en-US" smtClean="0"/>
               <a:pPr/>
-              <a:t>2020-03-09</a:t>
+              <a:t>2020-03-10</a:t>
             </a:fld>
             <a:endParaRPr lang="ko-KR" altLang="en-US"/>
           </a:p>
@@ -4825,7 +4399,7 @@
             <a:fld id="{D0DB8FD8-EA96-4975-82CC-472F95990E2A}" type="datetimeFigureOut">
               <a:rPr lang="ko-KR" altLang="en-US" smtClean="0"/>
               <a:pPr/>
-              <a:t>2020-03-09</a:t>
+              <a:t>2020-03-10</a:t>
             </a:fld>
             <a:endParaRPr lang="ko-KR" altLang="en-US"/>
           </a:p>
@@ -5168,7 +4742,7 @@
             <a:fld id="{D0DB8FD8-EA96-4975-82CC-472F95990E2A}" type="datetimeFigureOut">
               <a:rPr lang="ko-KR" altLang="en-US" smtClean="0"/>
               <a:pPr/>
-              <a:t>2020-03-09</a:t>
+              <a:t>2020-03-10</a:t>
             </a:fld>
             <a:endParaRPr lang="ko-KR" altLang="en-US"/>
           </a:p>
@@ -5645,7 +5219,7 @@
             <a:fld id="{D0DB8FD8-EA96-4975-82CC-472F95990E2A}" type="datetimeFigureOut">
               <a:rPr lang="ko-KR" altLang="en-US" smtClean="0"/>
               <a:pPr/>
-              <a:t>2020-03-09</a:t>
+              <a:t>2020-03-10</a:t>
             </a:fld>
             <a:endParaRPr lang="ko-KR" altLang="en-US"/>
           </a:p>
@@ -5818,7 +5392,7 @@
             <a:fld id="{D0DB8FD8-EA96-4975-82CC-472F95990E2A}" type="datetimeFigureOut">
               <a:rPr lang="ko-KR" altLang="en-US" smtClean="0"/>
               <a:pPr/>
-              <a:t>2020-03-09</a:t>
+              <a:t>2020-03-10</a:t>
             </a:fld>
             <a:endParaRPr lang="ko-KR" altLang="en-US"/>
           </a:p>
@@ -5927,7 +5501,7 @@
             <a:fld id="{D0DB8FD8-EA96-4975-82CC-472F95990E2A}" type="datetimeFigureOut">
               <a:rPr lang="ko-KR" altLang="en-US" smtClean="0"/>
               <a:pPr/>
-              <a:t>2020-03-09</a:t>
+              <a:t>2020-03-10</a:t>
             </a:fld>
             <a:endParaRPr lang="ko-KR" altLang="en-US"/>
           </a:p>
@@ -6218,7 +5792,7 @@
             <a:fld id="{D0DB8FD8-EA96-4975-82CC-472F95990E2A}" type="datetimeFigureOut">
               <a:rPr lang="ko-KR" altLang="en-US" smtClean="0"/>
               <a:pPr/>
-              <a:t>2020-03-09</a:t>
+              <a:t>2020-03-10</a:t>
             </a:fld>
             <a:endParaRPr lang="ko-KR" altLang="en-US"/>
           </a:p>
@@ -6492,7 +6066,7 @@
             <a:fld id="{D0DB8FD8-EA96-4975-82CC-472F95990E2A}" type="datetimeFigureOut">
               <a:rPr lang="ko-KR" altLang="en-US" smtClean="0"/>
               <a:pPr/>
-              <a:t>2020-03-09</a:t>
+              <a:t>2020-03-10</a:t>
             </a:fld>
             <a:endParaRPr lang="ko-KR" altLang="en-US"/>
           </a:p>
@@ -6771,7 +6345,7 @@
             <a:fld id="{D0DB8FD8-EA96-4975-82CC-472F95990E2A}" type="datetimeFigureOut">
               <a:rPr lang="ko-KR" altLang="en-US" smtClean="0"/>
               <a:pPr/>
-              <a:t>2020-03-09</a:t>
+              <a:t>2020-03-10</a:t>
             </a:fld>
             <a:endParaRPr lang="ko-KR" altLang="en-US"/>
           </a:p>
@@ -7559,434 +7133,6 @@
           <a:lstStyle/>
           <a:p>
             <a:r>
-              <a:rPr lang="en-US" altLang="ko-KR" sz="3600" b="1" dirty="0"/>
-              <a:t>Introduction – </a:t>
-            </a:r>
-            <a:r>
-              <a:rPr lang="ko-KR" altLang="en-US" sz="3600" b="1" dirty="0"/>
-              <a:t>방법 </a:t>
-            </a:r>
-            <a:r>
-              <a:rPr lang="en-US" altLang="ko-KR" sz="3600" b="1" dirty="0"/>
-              <a:t>3</a:t>
-            </a:r>
-            <a:endParaRPr lang="ko-KR" altLang="en-US" sz="3600" b="1" dirty="0"/>
-          </a:p>
-        </p:txBody>
-      </p:sp>
-      <p:sp>
-        <p:nvSpPr>
-          <p:cNvPr id="3" name="내용 개체 틀 2">
-            <a:extLst>
-              <a:ext uri="{FF2B5EF4-FFF2-40B4-BE49-F238E27FC236}">
-                <a16:creationId xmlns:a16="http://schemas.microsoft.com/office/drawing/2014/main" id="{A13F8D4D-F555-4C80-BEA5-60904777A55C}"/>
-              </a:ext>
-            </a:extLst>
-          </p:cNvPr>
-          <p:cNvSpPr>
-            <a:spLocks noGrp="1"/>
-          </p:cNvSpPr>
-          <p:nvPr>
-            <p:ph idx="1"/>
-          </p:nvPr>
-        </p:nvSpPr>
-        <p:spPr/>
-        <p:txBody>
-          <a:bodyPr/>
-          <a:lstStyle/>
-          <a:p>
-            <a:r>
-              <a:rPr lang="da-DK" altLang="ko-KR" sz="2400" b="1" dirty="0"/>
-              <a:t>value decomposition networks (VDN) (Sunehag et al., 2017)</a:t>
-            </a:r>
-          </a:p>
-          <a:p>
-            <a:pPr lvl="1"/>
-            <a:r>
-              <a:rPr lang="en-US" altLang="ko-KR" dirty="0"/>
-              <a:t>Q-tot </a:t>
-            </a:r>
-            <a:r>
-              <a:rPr lang="ko-KR" altLang="en-US" dirty="0"/>
-              <a:t>을</a:t>
-            </a:r>
-            <a:r>
-              <a:rPr lang="en-US" altLang="ko-KR" dirty="0"/>
-              <a:t> centralized </a:t>
-            </a:r>
-            <a:r>
-              <a:rPr lang="ko-KR" altLang="en-US" dirty="0"/>
-              <a:t>인자로 이용</a:t>
-            </a:r>
-            <a:endParaRPr lang="en-US" altLang="ko-KR" dirty="0"/>
-          </a:p>
-          <a:p>
-            <a:pPr lvl="2"/>
-            <a:r>
-              <a:rPr lang="en-US" altLang="ko-KR" dirty="0"/>
-              <a:t>Q-tot</a:t>
-            </a:r>
-            <a:r>
-              <a:rPr lang="ko-KR" altLang="en-US" dirty="0"/>
-              <a:t>를 각 </a:t>
-            </a:r>
-            <a:r>
-              <a:rPr lang="en-US" altLang="ko-KR" dirty="0"/>
-              <a:t>agent</a:t>
-            </a:r>
-            <a:r>
-              <a:rPr lang="ko-KR" altLang="en-US" dirty="0"/>
-              <a:t>의 </a:t>
-            </a:r>
-            <a:r>
-              <a:rPr lang="en-US" altLang="ko-KR" dirty="0"/>
-              <a:t>Q</a:t>
-            </a:r>
-            <a:r>
-              <a:rPr lang="ko-KR" altLang="en-US" dirty="0"/>
-              <a:t>함수의 합으로 설정함</a:t>
-            </a:r>
-            <a:endParaRPr lang="en-US" altLang="ko-KR" dirty="0"/>
-          </a:p>
-          <a:p>
-            <a:pPr lvl="1"/>
-            <a:r>
-              <a:rPr lang="en-US" altLang="ko-KR" dirty="0" err="1"/>
-              <a:t>decentralised</a:t>
-            </a:r>
-            <a:r>
-              <a:rPr lang="en-US" altLang="ko-KR" dirty="0"/>
-              <a:t> policy </a:t>
-            </a:r>
-            <a:r>
-              <a:rPr lang="ko-KR" altLang="en-US" dirty="0"/>
-              <a:t>가 </a:t>
-            </a:r>
-            <a:r>
-              <a:rPr lang="ko-KR" altLang="en-US" dirty="0" err="1"/>
-              <a:t>간결해진다</a:t>
-            </a:r>
-            <a:r>
-              <a:rPr lang="en-US" altLang="ko-KR" dirty="0"/>
-              <a:t>.</a:t>
-            </a:r>
-          </a:p>
-          <a:p>
-            <a:pPr lvl="2"/>
-            <a:r>
-              <a:rPr lang="ko-KR" altLang="en-US" dirty="0"/>
-              <a:t>각 </a:t>
-            </a:r>
-            <a:r>
-              <a:rPr lang="en-US" altLang="ko-KR" dirty="0"/>
-              <a:t>agent </a:t>
-            </a:r>
-            <a:r>
-              <a:rPr lang="ko-KR" altLang="en-US" dirty="0"/>
-              <a:t>가 </a:t>
-            </a:r>
-            <a:r>
-              <a:rPr lang="en-US" altLang="ko-KR" dirty="0"/>
-              <a:t>Q</a:t>
-            </a:r>
-            <a:r>
-              <a:rPr lang="ko-KR" altLang="en-US" dirty="0"/>
-              <a:t>함수를 </a:t>
-            </a:r>
-            <a:r>
-              <a:rPr lang="en-US" altLang="ko-KR" dirty="0"/>
-              <a:t>greedy</a:t>
-            </a:r>
-            <a:r>
-              <a:rPr lang="ko-KR" altLang="en-US" dirty="0"/>
-              <a:t>하게 선택함 </a:t>
-            </a:r>
-            <a:endParaRPr lang="en-US" altLang="ko-KR" dirty="0"/>
-          </a:p>
-          <a:p>
-            <a:pPr lvl="1"/>
-            <a:endParaRPr lang="en-US" altLang="ko-KR" sz="2000" dirty="0"/>
-          </a:p>
-          <a:p>
-            <a:pPr marL="0" indent="0">
-              <a:buNone/>
-            </a:pPr>
-            <a:endParaRPr lang="en-US" altLang="ko-KR" b="1" dirty="0"/>
-          </a:p>
-          <a:p>
-            <a:pPr marL="0" indent="0">
-              <a:buNone/>
-            </a:pPr>
-            <a:r>
-              <a:rPr lang="en-US" altLang="ko-KR" b="1" dirty="0"/>
-              <a:t>   </a:t>
-            </a:r>
-            <a:r>
-              <a:rPr lang="en-US" altLang="ko-KR" sz="2600" b="1" dirty="0"/>
-              <a:t>centralized action-value functions </a:t>
-            </a:r>
-            <a:r>
-              <a:rPr lang="ko-KR" altLang="en-US" sz="2600" b="1" dirty="0"/>
-              <a:t>복잡성을 제한한다</a:t>
-            </a:r>
-            <a:endParaRPr lang="en-US" altLang="ko-KR" sz="2600" b="1" dirty="0"/>
-          </a:p>
-          <a:p>
-            <a:pPr marL="0" indent="0">
-              <a:buNone/>
-            </a:pPr>
-            <a:r>
-              <a:rPr lang="en-US" altLang="ko-KR" sz="2600" b="1" dirty="0"/>
-              <a:t>   </a:t>
-            </a:r>
-            <a:r>
-              <a:rPr lang="ko-KR" altLang="en-US" sz="2400" b="1" dirty="0"/>
-              <a:t>학습 중 발생하는 사용가능한 </a:t>
-            </a:r>
-            <a:r>
-              <a:rPr lang="en-US" altLang="ko-KR" sz="2400" b="1" dirty="0"/>
-              <a:t>extra state information</a:t>
-            </a:r>
-            <a:r>
-              <a:rPr lang="ko-KR" altLang="en-US" sz="2400" b="1" dirty="0"/>
-              <a:t>을 무시</a:t>
-            </a:r>
-            <a:r>
-              <a:rPr lang="en-US" altLang="ko-KR" sz="2600" b="1" dirty="0"/>
-              <a:t>	</a:t>
-            </a:r>
-          </a:p>
-          <a:p>
-            <a:pPr marL="0" indent="0">
-              <a:buNone/>
-            </a:pPr>
-            <a:r>
-              <a:rPr lang="en-US" altLang="ko-KR" sz="2400" dirty="0"/>
-              <a:t>							</a:t>
-            </a:r>
-          </a:p>
-          <a:p>
-            <a:pPr marL="0" indent="0">
-              <a:buNone/>
-            </a:pPr>
-            <a:endParaRPr lang="en-US" altLang="ko-KR" sz="2400" dirty="0"/>
-          </a:p>
-          <a:p>
-            <a:pPr marL="0" indent="0">
-              <a:buNone/>
-            </a:pPr>
-            <a:endParaRPr lang="en-US" altLang="ko-KR" sz="2400" dirty="0"/>
-          </a:p>
-          <a:p>
-            <a:pPr marL="0" indent="0">
-              <a:buNone/>
-            </a:pPr>
-            <a:endParaRPr lang="en-US" altLang="ko-KR" sz="2400" dirty="0"/>
-          </a:p>
-          <a:p>
-            <a:pPr marL="0" indent="0">
-              <a:buNone/>
-            </a:pPr>
-            <a:endParaRPr lang="en-US" altLang="ko-KR" sz="2000" dirty="0"/>
-          </a:p>
-          <a:p>
-            <a:endParaRPr lang="en-US" altLang="ko-KR" sz="2000" dirty="0">
-              <a:latin typeface="+mj-ea"/>
-            </a:endParaRPr>
-          </a:p>
-          <a:p>
-            <a:endParaRPr lang="en-US" altLang="ko-KR" sz="2400" dirty="0">
-              <a:latin typeface="+mj-ea"/>
-            </a:endParaRPr>
-          </a:p>
-          <a:p>
-            <a:endParaRPr lang="en-US" altLang="ko-KR" sz="2400" dirty="0">
-              <a:latin typeface="+mj-ea"/>
-            </a:endParaRPr>
-          </a:p>
-          <a:p>
-            <a:pPr lvl="1"/>
-            <a:endParaRPr lang="en-US" altLang="ko-KR" sz="2000" dirty="0">
-              <a:latin typeface="+mj-ea"/>
-            </a:endParaRPr>
-          </a:p>
-          <a:p>
-            <a:pPr marL="0" indent="0">
-              <a:buNone/>
-            </a:pPr>
-            <a:r>
-              <a:rPr lang="en-US" altLang="ko-KR" dirty="0">
-                <a:latin typeface="+mj-ea"/>
-              </a:rPr>
-              <a:t>	</a:t>
-            </a:r>
-            <a:r>
-              <a:rPr lang="en-US" altLang="ko-KR" b="1" dirty="0">
-                <a:latin typeface="+mj-ea"/>
-              </a:rPr>
-              <a:t>agent</a:t>
-            </a:r>
-            <a:r>
-              <a:rPr lang="ko-KR" altLang="en-US" b="1" dirty="0">
-                <a:latin typeface="+mj-ea"/>
-              </a:rPr>
-              <a:t>간의 명쾌한 상호작용을 보여주지 않음</a:t>
-            </a:r>
-            <a:endParaRPr lang="en-US" altLang="ko-KR" b="1" dirty="0">
-              <a:latin typeface="+mj-ea"/>
-            </a:endParaRPr>
-          </a:p>
-          <a:p>
-            <a:pPr lvl="1"/>
-            <a:endParaRPr lang="en-US" altLang="ko-KR" sz="2800" b="1" dirty="0"/>
-          </a:p>
-          <a:p>
-            <a:endParaRPr lang="en-US" altLang="ko-KR" dirty="0"/>
-          </a:p>
-          <a:p>
-            <a:endParaRPr lang="en-US" altLang="ko-KR" dirty="0"/>
-          </a:p>
-          <a:p>
-            <a:endParaRPr lang="ko-KR" altLang="en-US" dirty="0"/>
-          </a:p>
-        </p:txBody>
-      </p:sp>
-    </p:spTree>
-    <p:extLst>
-      <p:ext uri="{BB962C8B-B14F-4D97-AF65-F5344CB8AC3E}">
-        <p14:creationId xmlns:p14="http://schemas.microsoft.com/office/powerpoint/2010/main" val="391509342"/>
-      </p:ext>
-    </p:extLst>
-  </p:cSld>
-  <p:clrMapOvr>
-    <a:masterClrMapping/>
-  </p:clrMapOvr>
-</p:sld>
-</file>
-
-<file path=ppt/slides/slide11.xml><?xml version="1.0" encoding="utf-8"?>
-<p:sld xmlns:a="http://schemas.openxmlformats.org/drawingml/2006/main" xmlns:r="http://schemas.openxmlformats.org/officeDocument/2006/relationships" xmlns:p="http://schemas.openxmlformats.org/presentationml/2006/main">
-  <p:cSld>
-    <p:spTree>
-      <p:nvGrpSpPr>
-        <p:cNvPr id="1" name=""/>
-        <p:cNvGrpSpPr/>
-        <p:nvPr/>
-      </p:nvGrpSpPr>
-      <p:grpSpPr>
-        <a:xfrm>
-          <a:off x="0" y="0"/>
-          <a:ext cx="0" cy="0"/>
-          <a:chOff x="0" y="0"/>
-          <a:chExt cx="0" cy="0"/>
-        </a:xfrm>
-      </p:grpSpPr>
-      <p:sp>
-        <p:nvSpPr>
-          <p:cNvPr id="2" name="제목 1">
-            <a:extLst>
-              <a:ext uri="{FF2B5EF4-FFF2-40B4-BE49-F238E27FC236}">
-                <a16:creationId xmlns:a16="http://schemas.microsoft.com/office/drawing/2014/main" id="{AC703D32-08EA-4A17-AD5F-F361330ABABD}"/>
-              </a:ext>
-            </a:extLst>
-          </p:cNvPr>
-          <p:cNvSpPr>
-            <a:spLocks noGrp="1"/>
-          </p:cNvSpPr>
-          <p:nvPr>
-            <p:ph type="title"/>
-          </p:nvPr>
-        </p:nvSpPr>
-        <p:spPr/>
-        <p:txBody>
-          <a:bodyPr/>
-          <a:lstStyle/>
-          <a:p>
-            <a:r>
-              <a:rPr lang="en-US" altLang="ko-KR" dirty="0"/>
-              <a:t>Multi-Agent Reinforcement Learning</a:t>
-            </a:r>
-            <a:endParaRPr lang="ko-KR" altLang="en-US" dirty="0"/>
-          </a:p>
-        </p:txBody>
-      </p:sp>
-      <p:sp>
-        <p:nvSpPr>
-          <p:cNvPr id="3" name="텍스트 개체 틀 2">
-            <a:extLst>
-              <a:ext uri="{FF2B5EF4-FFF2-40B4-BE49-F238E27FC236}">
-                <a16:creationId xmlns:a16="http://schemas.microsoft.com/office/drawing/2014/main" id="{D61BA234-B7AB-4EEE-9EF1-5794FA55B6EB}"/>
-              </a:ext>
-            </a:extLst>
-          </p:cNvPr>
-          <p:cNvSpPr>
-            <a:spLocks noGrp="1"/>
-          </p:cNvSpPr>
-          <p:nvPr>
-            <p:ph type="body" idx="1"/>
-          </p:nvPr>
-        </p:nvSpPr>
-        <p:spPr/>
-        <p:txBody>
-          <a:bodyPr/>
-          <a:lstStyle/>
-          <a:p>
-            <a:endParaRPr lang="ko-KR" altLang="en-US"/>
-          </a:p>
-        </p:txBody>
-      </p:sp>
-    </p:spTree>
-    <p:extLst>
-      <p:ext uri="{BB962C8B-B14F-4D97-AF65-F5344CB8AC3E}">
-        <p14:creationId xmlns:p14="http://schemas.microsoft.com/office/powerpoint/2010/main" val="1955927228"/>
-      </p:ext>
-    </p:extLst>
-  </p:cSld>
-  <p:clrMapOvr>
-    <a:masterClrMapping/>
-  </p:clrMapOvr>
-</p:sld>
-</file>
-
-<file path=ppt/slides/slide12.xml><?xml version="1.0" encoding="utf-8"?>
-<p:sld xmlns:a="http://schemas.openxmlformats.org/drawingml/2006/main" xmlns:r="http://schemas.openxmlformats.org/officeDocument/2006/relationships" xmlns:p="http://schemas.openxmlformats.org/presentationml/2006/main">
-  <p:cSld>
-    <p:spTree>
-      <p:nvGrpSpPr>
-        <p:cNvPr id="1" name=""/>
-        <p:cNvGrpSpPr/>
-        <p:nvPr/>
-      </p:nvGrpSpPr>
-      <p:grpSpPr>
-        <a:xfrm>
-          <a:off x="0" y="0"/>
-          <a:ext cx="0" cy="0"/>
-          <a:chOff x="0" y="0"/>
-          <a:chExt cx="0" cy="0"/>
-        </a:xfrm>
-      </p:grpSpPr>
-      <p:sp>
-        <p:nvSpPr>
-          <p:cNvPr id="2" name="제목 1">
-            <a:extLst>
-              <a:ext uri="{FF2B5EF4-FFF2-40B4-BE49-F238E27FC236}">
-                <a16:creationId xmlns:a16="http://schemas.microsoft.com/office/drawing/2014/main" id="{15A43040-FDE0-41CA-A523-30C7DE7EC5CC}"/>
-              </a:ext>
-            </a:extLst>
-          </p:cNvPr>
-          <p:cNvSpPr>
-            <a:spLocks noGrp="1"/>
-          </p:cNvSpPr>
-          <p:nvPr>
-            <p:ph type="title"/>
-          </p:nvPr>
-        </p:nvSpPr>
-        <p:spPr/>
-        <p:txBody>
-          <a:bodyPr/>
-          <a:lstStyle/>
-          <a:p>
-            <a:r>
               <a:rPr lang="en-US" altLang="ko-KR" sz="3600" b="1" spc="-150" dirty="0"/>
               <a:t>Multi-Agent Reinforcement Learning</a:t>
             </a:r>
@@ -8115,6 +7261,282 @@
 </p:sld>
 </file>
 
+<file path=ppt/slides/slide11.xml><?xml version="1.0" encoding="utf-8"?>
+<p:sld xmlns:a="http://schemas.openxmlformats.org/drawingml/2006/main" xmlns:r="http://schemas.openxmlformats.org/officeDocument/2006/relationships" xmlns:p="http://schemas.openxmlformats.org/presentationml/2006/main">
+  <p:cSld>
+    <p:spTree>
+      <p:nvGrpSpPr>
+        <p:cNvPr id="1" name=""/>
+        <p:cNvGrpSpPr/>
+        <p:nvPr/>
+      </p:nvGrpSpPr>
+      <p:grpSpPr>
+        <a:xfrm>
+          <a:off x="0" y="0"/>
+          <a:ext cx="0" cy="0"/>
+          <a:chOff x="0" y="0"/>
+          <a:chExt cx="0" cy="0"/>
+        </a:xfrm>
+      </p:grpSpPr>
+      <p:sp>
+        <p:nvSpPr>
+          <p:cNvPr id="2" name="제목 1">
+            <a:extLst>
+              <a:ext uri="{FF2B5EF4-FFF2-40B4-BE49-F238E27FC236}">
+                <a16:creationId xmlns:a16="http://schemas.microsoft.com/office/drawing/2014/main" id="{15A43040-FDE0-41CA-A523-30C7DE7EC5CC}"/>
+              </a:ext>
+            </a:extLst>
+          </p:cNvPr>
+          <p:cNvSpPr>
+            <a:spLocks noGrp="1"/>
+          </p:cNvSpPr>
+          <p:nvPr>
+            <p:ph type="title"/>
+          </p:nvPr>
+        </p:nvSpPr>
+        <p:spPr/>
+        <p:txBody>
+          <a:bodyPr/>
+          <a:lstStyle/>
+          <a:p>
+            <a:r>
+              <a:rPr lang="en-US" altLang="ko-KR" sz="3600" b="1" spc="-150" dirty="0"/>
+              <a:t>Multi-Agent Reinforcement Learning</a:t>
+            </a:r>
+            <a:endParaRPr lang="ko-KR" altLang="en-US" sz="3600" b="1" spc="-150" dirty="0"/>
+          </a:p>
+        </p:txBody>
+      </p:sp>
+      <p:sp>
+        <p:nvSpPr>
+          <p:cNvPr id="3" name="내용 개체 틀 2">
+            <a:extLst>
+              <a:ext uri="{FF2B5EF4-FFF2-40B4-BE49-F238E27FC236}">
+                <a16:creationId xmlns:a16="http://schemas.microsoft.com/office/drawing/2014/main" id="{A13F8D4D-F555-4C80-BEA5-60904777A55C}"/>
+              </a:ext>
+            </a:extLst>
+          </p:cNvPr>
+          <p:cNvSpPr>
+            <a:spLocks noGrp="1"/>
+          </p:cNvSpPr>
+          <p:nvPr>
+            <p:ph idx="1"/>
+          </p:nvPr>
+        </p:nvSpPr>
+        <p:spPr/>
+        <p:txBody>
+          <a:bodyPr/>
+          <a:lstStyle/>
+          <a:p>
+            <a:r>
+              <a:rPr lang="en-US" altLang="ko-KR" sz="2400" b="1" dirty="0" err="1"/>
+              <a:t>Centralised</a:t>
+            </a:r>
+            <a:r>
+              <a:rPr lang="en-US" altLang="ko-KR" sz="2400" b="1" dirty="0"/>
+              <a:t> training with </a:t>
+            </a:r>
+            <a:r>
+              <a:rPr lang="en-US" altLang="ko-KR" sz="2400" b="1" dirty="0" err="1"/>
+              <a:t>decentralised</a:t>
+            </a:r>
+            <a:r>
+              <a:rPr lang="en-US" altLang="ko-KR" sz="2400" b="1" dirty="0"/>
+              <a:t> execution</a:t>
+            </a:r>
+          </a:p>
+          <a:p>
+            <a:pPr lvl="1"/>
+            <a:r>
+              <a:rPr lang="en-US" altLang="ko-KR" sz="2000" dirty="0" err="1"/>
+              <a:t>decentralised</a:t>
+            </a:r>
+            <a:r>
+              <a:rPr lang="en-US" altLang="ko-KR" sz="2000" dirty="0"/>
+              <a:t> execution</a:t>
+            </a:r>
+            <a:r>
+              <a:rPr lang="ko-KR" altLang="en-US" sz="2000" dirty="0"/>
+              <a:t>에 따른 </a:t>
+            </a:r>
+            <a:r>
+              <a:rPr lang="en-US" altLang="ko-KR" sz="2000" dirty="0" err="1"/>
+              <a:t>centralised</a:t>
+            </a:r>
+            <a:r>
+              <a:rPr lang="en-US" altLang="ko-KR" sz="2000" dirty="0"/>
+              <a:t> training </a:t>
+            </a:r>
+            <a:r>
+              <a:rPr lang="ko-KR" altLang="en-US" sz="2000" dirty="0"/>
+              <a:t>패러다임 제공</a:t>
+            </a:r>
+            <a:endParaRPr lang="en-US" altLang="ko-KR" sz="2000" dirty="0"/>
+          </a:p>
+          <a:p>
+            <a:pPr lvl="1"/>
+            <a:r>
+              <a:rPr lang="en-US" altLang="ko-KR" sz="2000" dirty="0"/>
+              <a:t>COMA (Foerster et al., 2018a)</a:t>
+            </a:r>
+          </a:p>
+          <a:p>
+            <a:pPr lvl="2"/>
+            <a:r>
+              <a:rPr lang="en-US" altLang="ko-KR" sz="1600" dirty="0"/>
+              <a:t>actor-critic </a:t>
+            </a:r>
+            <a:r>
+              <a:rPr lang="ko-KR" altLang="en-US" sz="1600" dirty="0"/>
+              <a:t>방법</a:t>
+            </a:r>
+            <a:endParaRPr lang="en-US" altLang="ko-KR" sz="1600" dirty="0"/>
+          </a:p>
+          <a:p>
+            <a:pPr lvl="1"/>
+            <a:r>
+              <a:rPr lang="en-US" altLang="ko-KR" sz="2000" dirty="0"/>
+              <a:t>QMIX</a:t>
+            </a:r>
+          </a:p>
+          <a:p>
+            <a:pPr lvl="2"/>
+            <a:r>
+              <a:rPr lang="en-US" altLang="ko-KR" sz="1600" dirty="0"/>
+              <a:t>Q-learning </a:t>
+            </a:r>
+            <a:r>
+              <a:rPr lang="ko-KR" altLang="en-US" sz="1600" dirty="0"/>
+              <a:t>방법</a:t>
+            </a:r>
+            <a:endParaRPr lang="en-US" altLang="ko-KR" sz="1600" b="1" dirty="0"/>
+          </a:p>
+          <a:p>
+            <a:endParaRPr lang="en-US" altLang="ko-KR" sz="2400" b="1" dirty="0"/>
+          </a:p>
+          <a:p>
+            <a:pPr marL="457200" lvl="1" indent="0">
+              <a:buNone/>
+            </a:pPr>
+            <a:endParaRPr lang="en-US" altLang="ko-KR" sz="2000" dirty="0"/>
+          </a:p>
+          <a:p>
+            <a:endParaRPr lang="en-US" altLang="ko-KR" sz="1600" dirty="0">
+              <a:latin typeface="+mj-ea"/>
+            </a:endParaRPr>
+          </a:p>
+          <a:p>
+            <a:pPr lvl="1"/>
+            <a:endParaRPr lang="en-US" altLang="ko-KR" sz="2400" b="1" dirty="0"/>
+          </a:p>
+          <a:p>
+            <a:endParaRPr lang="en-US" altLang="ko-KR" dirty="0"/>
+          </a:p>
+          <a:p>
+            <a:endParaRPr lang="en-US" altLang="ko-KR" dirty="0"/>
+          </a:p>
+          <a:p>
+            <a:endParaRPr lang="ko-KR" altLang="en-US" dirty="0"/>
+          </a:p>
+        </p:txBody>
+      </p:sp>
+    </p:spTree>
+    <p:extLst>
+      <p:ext uri="{BB962C8B-B14F-4D97-AF65-F5344CB8AC3E}">
+        <p14:creationId xmlns:p14="http://schemas.microsoft.com/office/powerpoint/2010/main" val="3689898918"/>
+      </p:ext>
+    </p:extLst>
+  </p:cSld>
+  <p:clrMapOvr>
+    <a:masterClrMapping/>
+  </p:clrMapOvr>
+</p:sld>
+</file>
+
+<file path=ppt/slides/slide12.xml><?xml version="1.0" encoding="utf-8"?>
+<p:sld xmlns:a="http://schemas.openxmlformats.org/drawingml/2006/main" xmlns:r="http://schemas.openxmlformats.org/officeDocument/2006/relationships" xmlns:p="http://schemas.openxmlformats.org/presentationml/2006/main">
+  <p:cSld>
+    <p:spTree>
+      <p:nvGrpSpPr>
+        <p:cNvPr id="1" name=""/>
+        <p:cNvGrpSpPr/>
+        <p:nvPr/>
+      </p:nvGrpSpPr>
+      <p:grpSpPr>
+        <a:xfrm>
+          <a:off x="0" y="0"/>
+          <a:ext cx="0" cy="0"/>
+          <a:chOff x="0" y="0"/>
+          <a:chExt cx="0" cy="0"/>
+        </a:xfrm>
+      </p:grpSpPr>
+      <p:sp>
+        <p:nvSpPr>
+          <p:cNvPr id="2" name="제목 1">
+            <a:extLst>
+              <a:ext uri="{FF2B5EF4-FFF2-40B4-BE49-F238E27FC236}">
+                <a16:creationId xmlns:a16="http://schemas.microsoft.com/office/drawing/2014/main" id="{AC703D32-08EA-4A17-AD5F-F361330ABABD}"/>
+              </a:ext>
+            </a:extLst>
+          </p:cNvPr>
+          <p:cNvSpPr>
+            <a:spLocks noGrp="1"/>
+          </p:cNvSpPr>
+          <p:nvPr>
+            <p:ph type="title"/>
+          </p:nvPr>
+        </p:nvSpPr>
+        <p:spPr/>
+        <p:txBody>
+          <a:bodyPr/>
+          <a:lstStyle/>
+          <a:p>
+            <a:r>
+              <a:rPr lang="en-US" altLang="ko-KR" dirty="0"/>
+              <a:t>SMAC</a:t>
+            </a:r>
+            <a:endParaRPr lang="ko-KR" altLang="en-US" dirty="0"/>
+          </a:p>
+        </p:txBody>
+      </p:sp>
+      <p:sp>
+        <p:nvSpPr>
+          <p:cNvPr id="3" name="텍스트 개체 틀 2">
+            <a:extLst>
+              <a:ext uri="{FF2B5EF4-FFF2-40B4-BE49-F238E27FC236}">
+                <a16:creationId xmlns:a16="http://schemas.microsoft.com/office/drawing/2014/main" id="{D61BA234-B7AB-4EEE-9EF1-5794FA55B6EB}"/>
+              </a:ext>
+            </a:extLst>
+          </p:cNvPr>
+          <p:cNvSpPr>
+            <a:spLocks noGrp="1"/>
+          </p:cNvSpPr>
+          <p:nvPr>
+            <p:ph type="body" idx="1"/>
+          </p:nvPr>
+        </p:nvSpPr>
+        <p:spPr/>
+        <p:txBody>
+          <a:bodyPr/>
+          <a:lstStyle/>
+          <a:p>
+            <a:endParaRPr lang="ko-KR" altLang="en-US"/>
+          </a:p>
+        </p:txBody>
+      </p:sp>
+    </p:spTree>
+    <p:extLst>
+      <p:ext uri="{BB962C8B-B14F-4D97-AF65-F5344CB8AC3E}">
+        <p14:creationId xmlns:p14="http://schemas.microsoft.com/office/powerpoint/2010/main" val="2569262088"/>
+      </p:ext>
+    </p:extLst>
+  </p:cSld>
+  <p:clrMapOvr>
+    <a:masterClrMapping/>
+  </p:clrMapOvr>
+</p:sld>
+</file>
+
 <file path=ppt/slides/slide13.xml><?xml version="1.0" encoding="utf-8"?>
 <p:sld xmlns:a="http://schemas.openxmlformats.org/drawingml/2006/main" xmlns:r="http://schemas.openxmlformats.org/officeDocument/2006/relationships" xmlns:p="http://schemas.openxmlformats.org/presentationml/2006/main">
   <p:cSld>
@@ -8154,10 +7576,10 @@
           <a:lstStyle/>
           <a:p>
             <a:r>
-              <a:rPr lang="en-US" altLang="ko-KR" sz="3600" b="1" spc="-150" dirty="0"/>
-              <a:t>Multi-Agent Reinforcement Learning</a:t>
-            </a:r>
-            <a:endParaRPr lang="ko-KR" altLang="en-US" sz="3600" b="1" spc="-150" dirty="0"/>
+              <a:rPr lang="en-US" altLang="ko-KR" sz="3600" b="1" dirty="0"/>
+              <a:t>SMAC</a:t>
+            </a:r>
+            <a:endParaRPr lang="ko-KR" altLang="en-US" sz="3600" b="1" dirty="0"/>
           </a:p>
         </p:txBody>
       </p:sp>
@@ -8183,282 +7605,6 @@
           <a:lstStyle/>
           <a:p>
             <a:r>
-              <a:rPr lang="en-US" altLang="ko-KR" sz="2400" b="1" dirty="0" err="1"/>
-              <a:t>Centralised</a:t>
-            </a:r>
-            <a:r>
-              <a:rPr lang="en-US" altLang="ko-KR" sz="2400" b="1" dirty="0"/>
-              <a:t> training with </a:t>
-            </a:r>
-            <a:r>
-              <a:rPr lang="en-US" altLang="ko-KR" sz="2400" b="1" dirty="0" err="1"/>
-              <a:t>decentralised</a:t>
-            </a:r>
-            <a:r>
-              <a:rPr lang="en-US" altLang="ko-KR" sz="2400" b="1" dirty="0"/>
-              <a:t> execution</a:t>
-            </a:r>
-          </a:p>
-          <a:p>
-            <a:pPr lvl="1"/>
-            <a:r>
-              <a:rPr lang="en-US" altLang="ko-KR" sz="2000" dirty="0" err="1"/>
-              <a:t>decentralised</a:t>
-            </a:r>
-            <a:r>
-              <a:rPr lang="en-US" altLang="ko-KR" sz="2000" dirty="0"/>
-              <a:t> execution</a:t>
-            </a:r>
-            <a:r>
-              <a:rPr lang="ko-KR" altLang="en-US" sz="2000" dirty="0"/>
-              <a:t>에 따른 </a:t>
-            </a:r>
-            <a:r>
-              <a:rPr lang="en-US" altLang="ko-KR" sz="2000" dirty="0" err="1"/>
-              <a:t>centralised</a:t>
-            </a:r>
-            <a:r>
-              <a:rPr lang="en-US" altLang="ko-KR" sz="2000" dirty="0"/>
-              <a:t> training </a:t>
-            </a:r>
-            <a:r>
-              <a:rPr lang="ko-KR" altLang="en-US" sz="2000" dirty="0"/>
-              <a:t>패러다임 제공</a:t>
-            </a:r>
-            <a:endParaRPr lang="en-US" altLang="ko-KR" sz="2000" dirty="0"/>
-          </a:p>
-          <a:p>
-            <a:pPr lvl="1"/>
-            <a:r>
-              <a:rPr lang="en-US" altLang="ko-KR" sz="2000" dirty="0"/>
-              <a:t>COMA (Foerster et al., 2018a)</a:t>
-            </a:r>
-          </a:p>
-          <a:p>
-            <a:pPr lvl="2"/>
-            <a:r>
-              <a:rPr lang="en-US" altLang="ko-KR" sz="1600" dirty="0"/>
-              <a:t>actor-critic </a:t>
-            </a:r>
-            <a:r>
-              <a:rPr lang="ko-KR" altLang="en-US" sz="1600" dirty="0"/>
-              <a:t>방법</a:t>
-            </a:r>
-            <a:endParaRPr lang="en-US" altLang="ko-KR" sz="1600" dirty="0"/>
-          </a:p>
-          <a:p>
-            <a:pPr lvl="1"/>
-            <a:r>
-              <a:rPr lang="en-US" altLang="ko-KR" sz="2000" dirty="0"/>
-              <a:t>QMIX</a:t>
-            </a:r>
-          </a:p>
-          <a:p>
-            <a:pPr lvl="2"/>
-            <a:r>
-              <a:rPr lang="en-US" altLang="ko-KR" sz="1600" dirty="0"/>
-              <a:t>Q-learning </a:t>
-            </a:r>
-            <a:r>
-              <a:rPr lang="ko-KR" altLang="en-US" sz="1600" dirty="0"/>
-              <a:t>방법</a:t>
-            </a:r>
-            <a:endParaRPr lang="en-US" altLang="ko-KR" sz="1600" b="1" dirty="0"/>
-          </a:p>
-          <a:p>
-            <a:endParaRPr lang="en-US" altLang="ko-KR" sz="2400" b="1" dirty="0"/>
-          </a:p>
-          <a:p>
-            <a:pPr marL="457200" lvl="1" indent="0">
-              <a:buNone/>
-            </a:pPr>
-            <a:endParaRPr lang="en-US" altLang="ko-KR" sz="2000" dirty="0"/>
-          </a:p>
-          <a:p>
-            <a:endParaRPr lang="en-US" altLang="ko-KR" sz="1600" dirty="0">
-              <a:latin typeface="+mj-ea"/>
-            </a:endParaRPr>
-          </a:p>
-          <a:p>
-            <a:pPr lvl="1"/>
-            <a:endParaRPr lang="en-US" altLang="ko-KR" sz="2400" b="1" dirty="0"/>
-          </a:p>
-          <a:p>
-            <a:endParaRPr lang="en-US" altLang="ko-KR" dirty="0"/>
-          </a:p>
-          <a:p>
-            <a:endParaRPr lang="en-US" altLang="ko-KR" dirty="0"/>
-          </a:p>
-          <a:p>
-            <a:endParaRPr lang="ko-KR" altLang="en-US" dirty="0"/>
-          </a:p>
-        </p:txBody>
-      </p:sp>
-    </p:spTree>
-    <p:extLst>
-      <p:ext uri="{BB962C8B-B14F-4D97-AF65-F5344CB8AC3E}">
-        <p14:creationId xmlns:p14="http://schemas.microsoft.com/office/powerpoint/2010/main" val="3689898918"/>
-      </p:ext>
-    </p:extLst>
-  </p:cSld>
-  <p:clrMapOvr>
-    <a:masterClrMapping/>
-  </p:clrMapOvr>
-</p:sld>
-</file>
-
-<file path=ppt/slides/slide14.xml><?xml version="1.0" encoding="utf-8"?>
-<p:sld xmlns:a="http://schemas.openxmlformats.org/drawingml/2006/main" xmlns:r="http://schemas.openxmlformats.org/officeDocument/2006/relationships" xmlns:p="http://schemas.openxmlformats.org/presentationml/2006/main">
-  <p:cSld>
-    <p:spTree>
-      <p:nvGrpSpPr>
-        <p:cNvPr id="1" name=""/>
-        <p:cNvGrpSpPr/>
-        <p:nvPr/>
-      </p:nvGrpSpPr>
-      <p:grpSpPr>
-        <a:xfrm>
-          <a:off x="0" y="0"/>
-          <a:ext cx="0" cy="0"/>
-          <a:chOff x="0" y="0"/>
-          <a:chExt cx="0" cy="0"/>
-        </a:xfrm>
-      </p:grpSpPr>
-      <p:sp>
-        <p:nvSpPr>
-          <p:cNvPr id="2" name="제목 1">
-            <a:extLst>
-              <a:ext uri="{FF2B5EF4-FFF2-40B4-BE49-F238E27FC236}">
-                <a16:creationId xmlns:a16="http://schemas.microsoft.com/office/drawing/2014/main" id="{AC703D32-08EA-4A17-AD5F-F361330ABABD}"/>
-              </a:ext>
-            </a:extLst>
-          </p:cNvPr>
-          <p:cNvSpPr>
-            <a:spLocks noGrp="1"/>
-          </p:cNvSpPr>
-          <p:nvPr>
-            <p:ph type="title"/>
-          </p:nvPr>
-        </p:nvSpPr>
-        <p:spPr/>
-        <p:txBody>
-          <a:bodyPr/>
-          <a:lstStyle/>
-          <a:p>
-            <a:r>
-              <a:rPr lang="en-US" altLang="ko-KR" dirty="0"/>
-              <a:t>SMAC</a:t>
-            </a:r>
-            <a:endParaRPr lang="ko-KR" altLang="en-US" dirty="0"/>
-          </a:p>
-        </p:txBody>
-      </p:sp>
-      <p:sp>
-        <p:nvSpPr>
-          <p:cNvPr id="3" name="텍스트 개체 틀 2">
-            <a:extLst>
-              <a:ext uri="{FF2B5EF4-FFF2-40B4-BE49-F238E27FC236}">
-                <a16:creationId xmlns:a16="http://schemas.microsoft.com/office/drawing/2014/main" id="{D61BA234-B7AB-4EEE-9EF1-5794FA55B6EB}"/>
-              </a:ext>
-            </a:extLst>
-          </p:cNvPr>
-          <p:cNvSpPr>
-            <a:spLocks noGrp="1"/>
-          </p:cNvSpPr>
-          <p:nvPr>
-            <p:ph type="body" idx="1"/>
-          </p:nvPr>
-        </p:nvSpPr>
-        <p:spPr/>
-        <p:txBody>
-          <a:bodyPr/>
-          <a:lstStyle/>
-          <a:p>
-            <a:endParaRPr lang="ko-KR" altLang="en-US"/>
-          </a:p>
-        </p:txBody>
-      </p:sp>
-    </p:spTree>
-    <p:extLst>
-      <p:ext uri="{BB962C8B-B14F-4D97-AF65-F5344CB8AC3E}">
-        <p14:creationId xmlns:p14="http://schemas.microsoft.com/office/powerpoint/2010/main" val="2569262088"/>
-      </p:ext>
-    </p:extLst>
-  </p:cSld>
-  <p:clrMapOvr>
-    <a:masterClrMapping/>
-  </p:clrMapOvr>
-</p:sld>
-</file>
-
-<file path=ppt/slides/slide15.xml><?xml version="1.0" encoding="utf-8"?>
-<p:sld xmlns:a="http://schemas.openxmlformats.org/drawingml/2006/main" xmlns:r="http://schemas.openxmlformats.org/officeDocument/2006/relationships" xmlns:p="http://schemas.openxmlformats.org/presentationml/2006/main">
-  <p:cSld>
-    <p:spTree>
-      <p:nvGrpSpPr>
-        <p:cNvPr id="1" name=""/>
-        <p:cNvGrpSpPr/>
-        <p:nvPr/>
-      </p:nvGrpSpPr>
-      <p:grpSpPr>
-        <a:xfrm>
-          <a:off x="0" y="0"/>
-          <a:ext cx="0" cy="0"/>
-          <a:chOff x="0" y="0"/>
-          <a:chExt cx="0" cy="0"/>
-        </a:xfrm>
-      </p:grpSpPr>
-      <p:sp>
-        <p:nvSpPr>
-          <p:cNvPr id="2" name="제목 1">
-            <a:extLst>
-              <a:ext uri="{FF2B5EF4-FFF2-40B4-BE49-F238E27FC236}">
-                <a16:creationId xmlns:a16="http://schemas.microsoft.com/office/drawing/2014/main" id="{15A43040-FDE0-41CA-A523-30C7DE7EC5CC}"/>
-              </a:ext>
-            </a:extLst>
-          </p:cNvPr>
-          <p:cNvSpPr>
-            <a:spLocks noGrp="1"/>
-          </p:cNvSpPr>
-          <p:nvPr>
-            <p:ph type="title"/>
-          </p:nvPr>
-        </p:nvSpPr>
-        <p:spPr/>
-        <p:txBody>
-          <a:bodyPr/>
-          <a:lstStyle/>
-          <a:p>
-            <a:r>
-              <a:rPr lang="en-US" altLang="ko-KR" sz="3600" b="1" dirty="0"/>
-              <a:t>SMAC</a:t>
-            </a:r>
-            <a:endParaRPr lang="ko-KR" altLang="en-US" sz="3600" b="1" dirty="0"/>
-          </a:p>
-        </p:txBody>
-      </p:sp>
-      <p:sp>
-        <p:nvSpPr>
-          <p:cNvPr id="3" name="내용 개체 틀 2">
-            <a:extLst>
-              <a:ext uri="{FF2B5EF4-FFF2-40B4-BE49-F238E27FC236}">
-                <a16:creationId xmlns:a16="http://schemas.microsoft.com/office/drawing/2014/main" id="{A13F8D4D-F555-4C80-BEA5-60904777A55C}"/>
-              </a:ext>
-            </a:extLst>
-          </p:cNvPr>
-          <p:cNvSpPr>
-            <a:spLocks noGrp="1"/>
-          </p:cNvSpPr>
-          <p:nvPr>
-            <p:ph idx="1"/>
-          </p:nvPr>
-        </p:nvSpPr>
-        <p:spPr/>
-        <p:txBody>
-          <a:bodyPr/>
-          <a:lstStyle/>
-          <a:p>
-            <a:r>
               <a:rPr lang="en-US" altLang="ko-KR" sz="2400" dirty="0"/>
               <a:t>RTS</a:t>
             </a:r>
@@ -8479,12 +7625,8 @@
           <a:p>
             <a:pPr lvl="1"/>
             <a:r>
-              <a:rPr lang="en-US" altLang="ko-KR" sz="2000" dirty="0" err="1"/>
-              <a:t>Macromanagement</a:t>
-            </a:r>
-            <a:r>
               <a:rPr lang="en-US" altLang="ko-KR" sz="2000" dirty="0"/>
-              <a:t> </a:t>
+              <a:t>Macro-management </a:t>
             </a:r>
             <a:r>
               <a:rPr lang="ko-KR" altLang="en-US" sz="2000" dirty="0"/>
@@ -8492,7 +7634,7 @@
             </a:r>
             <a:r>
               <a:rPr lang="en-US" altLang="ko-KR" sz="2000" dirty="0"/>
-              <a:t>micromanagement</a:t>
+              <a:t>micro-management</a:t>
             </a:r>
             <a:r>
               <a:rPr lang="ko-KR" altLang="en-US" sz="2000" dirty="0"/>
@@ -8503,12 +7645,8 @@
           <a:p>
             <a:pPr lvl="2"/>
             <a:r>
-              <a:rPr lang="en-US" altLang="ko-KR" sz="1600" dirty="0" err="1"/>
-              <a:t>Macromanagement</a:t>
-            </a:r>
-            <a:r>
               <a:rPr lang="en-US" altLang="ko-KR" sz="1600" dirty="0"/>
-              <a:t> – </a:t>
+              <a:t>Macro-management – </a:t>
             </a:r>
             <a:r>
               <a:rPr lang="ko-KR" altLang="en-US" sz="1600" dirty="0"/>
@@ -8528,7 +7666,7 @@
             <a:pPr lvl="2"/>
             <a:r>
               <a:rPr lang="en-US" altLang="ko-KR" sz="1600" dirty="0"/>
-              <a:t>Micromanagement – </a:t>
+              <a:t>Micro-management – </a:t>
             </a:r>
             <a:r>
               <a:rPr lang="ko-KR" altLang="en-US" sz="1600" dirty="0"/>
@@ -8543,7 +7681,7 @@
           <a:p>
             <a:r>
               <a:rPr lang="en-US" altLang="ko-KR" sz="2400" dirty="0"/>
-              <a:t>Micromanagement</a:t>
+              <a:t>Micro-management</a:t>
             </a:r>
             <a:r>
               <a:rPr lang="ko-KR" altLang="en-US" sz="2400" dirty="0"/>
@@ -8653,7 +7791,7 @@
 </p:sld>
 </file>
 
-<file path=ppt/slides/slide16.xml><?xml version="1.0" encoding="utf-8"?>
+<file path=ppt/slides/slide14.xml><?xml version="1.0" encoding="utf-8"?>
 <p:sld xmlns:a="http://schemas.openxmlformats.org/drawingml/2006/main" xmlns:r="http://schemas.openxmlformats.org/officeDocument/2006/relationships" xmlns:p="http://schemas.openxmlformats.org/presentationml/2006/main">
   <p:cSld>
     <p:spTree>
@@ -8803,6 +7941,514 @@
 </p:sld>
 </file>
 
+<file path=ppt/slides/slide15.xml><?xml version="1.0" encoding="utf-8"?>
+<p:sld xmlns:a="http://schemas.openxmlformats.org/drawingml/2006/main" xmlns:r="http://schemas.openxmlformats.org/officeDocument/2006/relationships" xmlns:p="http://schemas.openxmlformats.org/presentationml/2006/main">
+  <p:cSld>
+    <p:spTree>
+      <p:nvGrpSpPr>
+        <p:cNvPr id="1" name=""/>
+        <p:cNvGrpSpPr/>
+        <p:nvPr/>
+      </p:nvGrpSpPr>
+      <p:grpSpPr>
+        <a:xfrm>
+          <a:off x="0" y="0"/>
+          <a:ext cx="0" cy="0"/>
+          <a:chOff x="0" y="0"/>
+          <a:chExt cx="0" cy="0"/>
+        </a:xfrm>
+      </p:grpSpPr>
+      <p:sp>
+        <p:nvSpPr>
+          <p:cNvPr id="2" name="제목 1">
+            <a:extLst>
+              <a:ext uri="{FF2B5EF4-FFF2-40B4-BE49-F238E27FC236}">
+                <a16:creationId xmlns:a16="http://schemas.microsoft.com/office/drawing/2014/main" id="{15A43040-FDE0-41CA-A523-30C7DE7EC5CC}"/>
+              </a:ext>
+            </a:extLst>
+          </p:cNvPr>
+          <p:cNvSpPr>
+            <a:spLocks noGrp="1"/>
+          </p:cNvSpPr>
+          <p:nvPr>
+            <p:ph type="title"/>
+          </p:nvPr>
+        </p:nvSpPr>
+        <p:spPr/>
+        <p:txBody>
+          <a:bodyPr/>
+          <a:lstStyle/>
+          <a:p>
+            <a:r>
+              <a:rPr lang="en-US" altLang="ko-KR" sz="3600" b="1" dirty="0"/>
+              <a:t>SMAC</a:t>
+            </a:r>
+            <a:endParaRPr lang="ko-KR" altLang="en-US" sz="3600" b="1" dirty="0"/>
+          </a:p>
+        </p:txBody>
+      </p:sp>
+      <p:sp>
+        <p:nvSpPr>
+          <p:cNvPr id="3" name="내용 개체 틀 2">
+            <a:extLst>
+              <a:ext uri="{FF2B5EF4-FFF2-40B4-BE49-F238E27FC236}">
+                <a16:creationId xmlns:a16="http://schemas.microsoft.com/office/drawing/2014/main" id="{A13F8D4D-F555-4C80-BEA5-60904777A55C}"/>
+              </a:ext>
+            </a:extLst>
+          </p:cNvPr>
+          <p:cNvSpPr>
+            <a:spLocks noGrp="1"/>
+          </p:cNvSpPr>
+          <p:nvPr>
+            <p:ph idx="1"/>
+          </p:nvPr>
+        </p:nvSpPr>
+        <p:spPr/>
+        <p:txBody>
+          <a:bodyPr/>
+          <a:lstStyle/>
+          <a:p>
+            <a:r>
+              <a:rPr lang="en-US" altLang="ko-KR" sz="2400" b="1" dirty="0"/>
+              <a:t>State and Observations</a:t>
+            </a:r>
+          </a:p>
+          <a:p>
+            <a:pPr lvl="1"/>
+            <a:r>
+              <a:rPr lang="ko-KR" altLang="en-US" sz="2000" dirty="0">
+                <a:latin typeface="+mj-ea"/>
+              </a:rPr>
+              <a:t>유닛은 다른 유닛들 중 시야 범위에 있는 유닛만 탐색 가능하다</a:t>
+            </a:r>
+            <a:endParaRPr lang="en-US" altLang="ko-KR" sz="2000" dirty="0">
+              <a:latin typeface="+mj-ea"/>
+            </a:endParaRPr>
+          </a:p>
+          <a:p>
+            <a:pPr lvl="2"/>
+            <a:r>
+              <a:rPr lang="en-US" altLang="ko-KR" sz="1600" dirty="0" err="1">
+                <a:latin typeface="+mj-ea"/>
+              </a:rPr>
+              <a:t>Agnet</a:t>
+            </a:r>
+            <a:r>
+              <a:rPr lang="ko-KR" altLang="en-US" sz="1600" dirty="0">
+                <a:latin typeface="+mj-ea"/>
+              </a:rPr>
+              <a:t>는 어떤 유닛이 </a:t>
+            </a:r>
+            <a:r>
+              <a:rPr lang="ko-KR" altLang="en-US" sz="1600" dirty="0" err="1">
+                <a:latin typeface="+mj-ea"/>
+              </a:rPr>
+              <a:t>죽었는지와</a:t>
+            </a:r>
+            <a:r>
+              <a:rPr lang="ko-KR" altLang="en-US" sz="1600" dirty="0">
+                <a:latin typeface="+mj-ea"/>
+              </a:rPr>
+              <a:t> 얼마나 </a:t>
+            </a:r>
+            <a:r>
+              <a:rPr lang="ko-KR" altLang="en-US" sz="1600" dirty="0" err="1">
+                <a:latin typeface="+mj-ea"/>
+              </a:rPr>
+              <a:t>떨어저</a:t>
+            </a:r>
+            <a:r>
+              <a:rPr lang="ko-KR" altLang="en-US" sz="1600" dirty="0">
+                <a:latin typeface="+mj-ea"/>
+              </a:rPr>
+              <a:t> 있는지는 알지 못한다</a:t>
+            </a:r>
+            <a:endParaRPr lang="en-US" altLang="ko-KR" sz="1600" dirty="0">
+              <a:latin typeface="+mj-ea"/>
+            </a:endParaRPr>
+          </a:p>
+          <a:p>
+            <a:pPr lvl="1"/>
+            <a:endParaRPr lang="en-US" altLang="ko-KR" sz="2000" dirty="0">
+              <a:latin typeface="+mj-ea"/>
+            </a:endParaRPr>
+          </a:p>
+          <a:p>
+            <a:pPr lvl="1"/>
+            <a:r>
+              <a:rPr lang="en-US" altLang="ko-KR" sz="2000" dirty="0"/>
+              <a:t>Feature </a:t>
+            </a:r>
+            <a:r>
+              <a:rPr lang="ko-KR" altLang="en-US" sz="2000" dirty="0"/>
+              <a:t>들이 </a:t>
+            </a:r>
+            <a:r>
+              <a:rPr lang="en-US" altLang="ko-KR" sz="2000" dirty="0"/>
+              <a:t>vector</a:t>
+            </a:r>
+            <a:r>
+              <a:rPr lang="ko-KR" altLang="en-US" sz="2000" dirty="0"/>
+              <a:t>로 제공됨</a:t>
+            </a:r>
+            <a:r>
+              <a:rPr lang="en-US" altLang="ko-KR" sz="2000" dirty="0"/>
+              <a:t>(</a:t>
+            </a:r>
+            <a:r>
+              <a:rPr lang="ko-KR" altLang="en-US" sz="2000" dirty="0"/>
+              <a:t>시야 범위에 있어야 함</a:t>
+            </a:r>
+            <a:r>
+              <a:rPr lang="en-US" altLang="ko-KR" sz="2000" dirty="0"/>
+              <a:t>)</a:t>
+            </a:r>
+          </a:p>
+          <a:p>
+            <a:pPr lvl="2"/>
+            <a:r>
+              <a:rPr lang="en-US" altLang="ko-KR" sz="1600" dirty="0"/>
+              <a:t>Distance , relative x, relative y, health, shield, and </a:t>
+            </a:r>
+            <a:r>
+              <a:rPr lang="en-US" altLang="ko-KR" sz="1600" dirty="0" err="1"/>
+              <a:t>unit_type</a:t>
+            </a:r>
+            <a:endParaRPr lang="en-US" altLang="ko-KR" sz="1600" dirty="0"/>
+          </a:p>
+          <a:p>
+            <a:pPr lvl="2"/>
+            <a:endParaRPr lang="en-US" altLang="ko-KR" sz="1600" dirty="0">
+              <a:latin typeface="+mj-ea"/>
+            </a:endParaRPr>
+          </a:p>
+          <a:p>
+            <a:r>
+              <a:rPr lang="en-US" altLang="ko-KR" sz="2400" b="1" dirty="0"/>
+              <a:t>Action Space </a:t>
+            </a:r>
+          </a:p>
+          <a:p>
+            <a:pPr lvl="1"/>
+            <a:r>
+              <a:rPr lang="ko-KR" altLang="en-US" sz="2000" dirty="0">
+                <a:latin typeface="+mj-ea"/>
+              </a:rPr>
+              <a:t>이산적인 </a:t>
+            </a:r>
+            <a:r>
+              <a:rPr lang="en-US" altLang="ko-KR" sz="2000" dirty="0">
+                <a:latin typeface="+mj-ea"/>
+              </a:rPr>
+              <a:t>action space</a:t>
+            </a:r>
+            <a:r>
+              <a:rPr lang="ko-KR" altLang="en-US" sz="2000" dirty="0">
+                <a:latin typeface="+mj-ea"/>
+              </a:rPr>
+              <a:t>로 구성</a:t>
+            </a:r>
+            <a:endParaRPr lang="en-US" altLang="ko-KR" sz="2000" dirty="0">
+              <a:latin typeface="+mj-ea"/>
+            </a:endParaRPr>
+          </a:p>
+          <a:p>
+            <a:pPr lvl="2"/>
+            <a:r>
+              <a:rPr lang="en-US" altLang="ko-KR" sz="1600" dirty="0"/>
+              <a:t>move[direction] , attack[</a:t>
+            </a:r>
+            <a:r>
+              <a:rPr lang="en-US" altLang="ko-KR" sz="1600" dirty="0" err="1"/>
+              <a:t>enemy_id</a:t>
+            </a:r>
+            <a:r>
+              <a:rPr lang="en-US" altLang="ko-KR" sz="1600" dirty="0"/>
+              <a:t>], stop and no-op</a:t>
+            </a:r>
+            <a:endParaRPr lang="en-US" altLang="ko-KR" sz="1600" dirty="0">
+              <a:latin typeface="+mj-ea"/>
+            </a:endParaRPr>
+          </a:p>
+          <a:p>
+            <a:pPr lvl="2"/>
+            <a:r>
+              <a:rPr lang="en-US" altLang="ko-KR" sz="1600" dirty="0"/>
+              <a:t>healer units(Medivacs)</a:t>
+            </a:r>
+            <a:r>
+              <a:rPr lang="ko-KR" altLang="en-US" sz="1600" dirty="0"/>
+              <a:t>은 </a:t>
+            </a:r>
+            <a:r>
+              <a:rPr lang="en-US" altLang="ko-KR" sz="1600" dirty="0"/>
+              <a:t>attack[</a:t>
+            </a:r>
+            <a:r>
+              <a:rPr lang="en-US" altLang="ko-KR" sz="1600" dirty="0" err="1"/>
+              <a:t>enemy_id</a:t>
+            </a:r>
+            <a:r>
+              <a:rPr lang="en-US" altLang="ko-KR" sz="1600" dirty="0"/>
+              <a:t>] </a:t>
+            </a:r>
+            <a:r>
+              <a:rPr lang="ko-KR" altLang="en-US" sz="1600" dirty="0"/>
+              <a:t>대신에 </a:t>
+            </a:r>
+            <a:r>
+              <a:rPr lang="en-US" altLang="ko-KR" sz="1600" dirty="0"/>
+              <a:t>e heal[</a:t>
+            </a:r>
+            <a:r>
+              <a:rPr lang="en-US" altLang="ko-KR" sz="1600" dirty="0" err="1"/>
+              <a:t>agent_id</a:t>
+            </a:r>
+            <a:r>
+              <a:rPr lang="en-US" altLang="ko-KR" sz="1600" dirty="0"/>
+              <a:t>] </a:t>
+            </a:r>
+            <a:r>
+              <a:rPr lang="ko-KR" altLang="en-US" sz="1600" dirty="0"/>
+              <a:t>사용</a:t>
+            </a:r>
+            <a:endParaRPr lang="en-US" altLang="ko-KR" sz="1600" dirty="0"/>
+          </a:p>
+          <a:p>
+            <a:pPr lvl="2"/>
+            <a:r>
+              <a:rPr lang="en-US" altLang="ko-KR" sz="1600" dirty="0"/>
+              <a:t>attack[</a:t>
+            </a:r>
+            <a:r>
+              <a:rPr lang="en-US" altLang="ko-KR" sz="1600" dirty="0" err="1"/>
+              <a:t>enemy_id</a:t>
+            </a:r>
+            <a:r>
+              <a:rPr lang="en-US" altLang="ko-KR" sz="1600" dirty="0"/>
+              <a:t>]</a:t>
+            </a:r>
+            <a:r>
+              <a:rPr lang="ko-KR" altLang="en-US" sz="1600" dirty="0"/>
+              <a:t>은 </a:t>
+            </a:r>
+            <a:r>
+              <a:rPr lang="en-US" altLang="ko-KR" sz="1600" dirty="0"/>
+              <a:t>shooting range </a:t>
+            </a:r>
+            <a:r>
+              <a:rPr lang="ko-KR" altLang="en-US" sz="1600" dirty="0"/>
+              <a:t>에서만 사용됨</a:t>
+            </a:r>
+            <a:r>
+              <a:rPr lang="en-US" altLang="ko-KR" sz="1600" dirty="0"/>
+              <a:t>.</a:t>
+            </a:r>
+            <a:endParaRPr lang="en-US" altLang="ko-KR" sz="1600" b="1" dirty="0"/>
+          </a:p>
+          <a:p>
+            <a:endParaRPr lang="en-US" altLang="ko-KR" dirty="0"/>
+          </a:p>
+          <a:p>
+            <a:endParaRPr lang="en-US" altLang="ko-KR" dirty="0"/>
+          </a:p>
+          <a:p>
+            <a:endParaRPr lang="ko-KR" altLang="en-US" dirty="0"/>
+          </a:p>
+        </p:txBody>
+      </p:sp>
+    </p:spTree>
+    <p:extLst>
+      <p:ext uri="{BB962C8B-B14F-4D97-AF65-F5344CB8AC3E}">
+        <p14:creationId xmlns:p14="http://schemas.microsoft.com/office/powerpoint/2010/main" val="3101347112"/>
+      </p:ext>
+    </p:extLst>
+  </p:cSld>
+  <p:clrMapOvr>
+    <a:masterClrMapping/>
+  </p:clrMapOvr>
+</p:sld>
+</file>
+
+<file path=ppt/slides/slide16.xml><?xml version="1.0" encoding="utf-8"?>
+<p:sld xmlns:a="http://schemas.openxmlformats.org/drawingml/2006/main" xmlns:r="http://schemas.openxmlformats.org/officeDocument/2006/relationships" xmlns:p="http://schemas.openxmlformats.org/presentationml/2006/main">
+  <p:cSld>
+    <p:spTree>
+      <p:nvGrpSpPr>
+        <p:cNvPr id="1" name=""/>
+        <p:cNvGrpSpPr/>
+        <p:nvPr/>
+      </p:nvGrpSpPr>
+      <p:grpSpPr>
+        <a:xfrm>
+          <a:off x="0" y="0"/>
+          <a:ext cx="0" cy="0"/>
+          <a:chOff x="0" y="0"/>
+          <a:chExt cx="0" cy="0"/>
+        </a:xfrm>
+      </p:grpSpPr>
+      <p:sp>
+        <p:nvSpPr>
+          <p:cNvPr id="2" name="제목 1">
+            <a:extLst>
+              <a:ext uri="{FF2B5EF4-FFF2-40B4-BE49-F238E27FC236}">
+                <a16:creationId xmlns:a16="http://schemas.microsoft.com/office/drawing/2014/main" id="{15A43040-FDE0-41CA-A523-30C7DE7EC5CC}"/>
+              </a:ext>
+            </a:extLst>
+          </p:cNvPr>
+          <p:cNvSpPr>
+            <a:spLocks noGrp="1"/>
+          </p:cNvSpPr>
+          <p:nvPr>
+            <p:ph type="title"/>
+          </p:nvPr>
+        </p:nvSpPr>
+        <p:spPr/>
+        <p:txBody>
+          <a:bodyPr/>
+          <a:lstStyle/>
+          <a:p>
+            <a:r>
+              <a:rPr lang="en-US" altLang="ko-KR" sz="3600" b="1" dirty="0"/>
+              <a:t>SMAC</a:t>
+            </a:r>
+            <a:endParaRPr lang="ko-KR" altLang="en-US" sz="3600" b="1" dirty="0"/>
+          </a:p>
+        </p:txBody>
+      </p:sp>
+      <p:sp>
+        <p:nvSpPr>
+          <p:cNvPr id="3" name="내용 개체 틀 2">
+            <a:extLst>
+              <a:ext uri="{FF2B5EF4-FFF2-40B4-BE49-F238E27FC236}">
+                <a16:creationId xmlns:a16="http://schemas.microsoft.com/office/drawing/2014/main" id="{A13F8D4D-F555-4C80-BEA5-60904777A55C}"/>
+              </a:ext>
+            </a:extLst>
+          </p:cNvPr>
+          <p:cNvSpPr>
+            <a:spLocks noGrp="1"/>
+          </p:cNvSpPr>
+          <p:nvPr>
+            <p:ph idx="1"/>
+          </p:nvPr>
+        </p:nvSpPr>
+        <p:spPr/>
+        <p:txBody>
+          <a:bodyPr/>
+          <a:lstStyle/>
+          <a:p>
+            <a:r>
+              <a:rPr lang="en-US" altLang="ko-KR" sz="2400" b="1" dirty="0"/>
+              <a:t>Reward</a:t>
+            </a:r>
+          </a:p>
+          <a:p>
+            <a:pPr lvl="1"/>
+            <a:r>
+              <a:rPr lang="ko-KR" altLang="en-US" sz="2000" dirty="0"/>
+              <a:t>승률을 올리는게 목표에 따라 </a:t>
+            </a:r>
+            <a:r>
+              <a:rPr lang="en-US" altLang="ko-KR" sz="2000" dirty="0"/>
+              <a:t>shaped reward </a:t>
+            </a:r>
+            <a:r>
+              <a:rPr lang="ko-KR" altLang="en-US" sz="2000" dirty="0"/>
+              <a:t>사용</a:t>
+            </a:r>
+            <a:endParaRPr lang="en-US" altLang="ko-KR" sz="2000" dirty="0"/>
+          </a:p>
+          <a:p>
+            <a:pPr lvl="2"/>
+            <a:r>
+              <a:rPr lang="en-US" altLang="ko-KR" sz="1600" dirty="0"/>
+              <a:t>Damage,</a:t>
+            </a:r>
+            <a:r>
+              <a:rPr lang="ko-KR" altLang="en-US" sz="1600" dirty="0"/>
+              <a:t> 죽인 유닛 수</a:t>
+            </a:r>
+            <a:r>
+              <a:rPr lang="en-US" altLang="ko-KR" sz="1600" dirty="0"/>
+              <a:t>, special bonus</a:t>
+            </a:r>
+          </a:p>
+          <a:p>
+            <a:pPr lvl="1"/>
+            <a:r>
+              <a:rPr lang="en-US" altLang="ko-KR" sz="2000" dirty="0"/>
+              <a:t>sparse reward option</a:t>
+            </a:r>
+            <a:r>
+              <a:rPr lang="ko-KR" altLang="en-US" sz="2000" dirty="0"/>
+              <a:t>도 사용</a:t>
+            </a:r>
+            <a:endParaRPr lang="en-US" altLang="ko-KR" sz="2000" dirty="0"/>
+          </a:p>
+          <a:p>
+            <a:pPr lvl="2"/>
+            <a:r>
+              <a:rPr lang="en-US" altLang="ko-KR" sz="1600" dirty="0"/>
+              <a:t>Win</a:t>
+            </a:r>
+            <a:r>
+              <a:rPr lang="ko-KR" altLang="en-US" sz="1600" dirty="0"/>
+              <a:t> </a:t>
+            </a:r>
+            <a:r>
+              <a:rPr lang="en-US" altLang="ko-KR" sz="1600" dirty="0"/>
+              <a:t>1,</a:t>
+            </a:r>
+            <a:r>
+              <a:rPr lang="ko-KR" altLang="en-US" sz="1600" dirty="0"/>
+              <a:t> </a:t>
+            </a:r>
+            <a:r>
+              <a:rPr lang="en-US" altLang="ko-KR" sz="1600" dirty="0"/>
+              <a:t>lose</a:t>
+            </a:r>
+            <a:r>
+              <a:rPr lang="ko-KR" altLang="en-US" sz="1600" dirty="0"/>
+              <a:t> </a:t>
+            </a:r>
+            <a:r>
+              <a:rPr lang="en-US" altLang="ko-KR" sz="1600" dirty="0"/>
+              <a:t>-1</a:t>
+            </a:r>
+          </a:p>
+          <a:p>
+            <a:pPr lvl="1"/>
+            <a:endParaRPr lang="en-US" altLang="ko-KR" sz="2000" dirty="0"/>
+          </a:p>
+          <a:p>
+            <a:pPr lvl="1"/>
+            <a:endParaRPr lang="en-US" altLang="ko-KR" sz="2000" dirty="0"/>
+          </a:p>
+          <a:p>
+            <a:pPr lvl="2"/>
+            <a:endParaRPr lang="en-US" altLang="ko-KR" sz="1600" dirty="0"/>
+          </a:p>
+          <a:p>
+            <a:endParaRPr lang="en-US" altLang="ko-KR" dirty="0"/>
+          </a:p>
+          <a:p>
+            <a:endParaRPr lang="ko-KR" altLang="en-US" dirty="0"/>
+          </a:p>
+        </p:txBody>
+      </p:sp>
+    </p:spTree>
+    <p:extLst>
+      <p:ext uri="{BB962C8B-B14F-4D97-AF65-F5344CB8AC3E}">
+        <p14:creationId xmlns:p14="http://schemas.microsoft.com/office/powerpoint/2010/main" val="901525552"/>
+      </p:ext>
+    </p:extLst>
+  </p:cSld>
+  <p:clrMapOvr>
+    <a:masterClrMapping/>
+  </p:clrMapOvr>
+</p:sld>
+</file>
+
 <file path=ppt/slides/slide17.xml><?xml version="1.0" encoding="utf-8"?>
 <p:sld xmlns:a="http://schemas.openxmlformats.org/drawingml/2006/main" xmlns:r="http://schemas.openxmlformats.org/officeDocument/2006/relationships" xmlns:p="http://schemas.openxmlformats.org/presentationml/2006/main">
   <p:cSld>
@@ -8825,7 +8471,7 @@
           <p:cNvPr id="2" name="제목 1">
             <a:extLst>
               <a:ext uri="{FF2B5EF4-FFF2-40B4-BE49-F238E27FC236}">
-                <a16:creationId xmlns:a16="http://schemas.microsoft.com/office/drawing/2014/main" id="{15A43040-FDE0-41CA-A523-30C7DE7EC5CC}"/>
+                <a16:creationId xmlns:a16="http://schemas.microsoft.com/office/drawing/2014/main" id="{AC703D32-08EA-4A17-AD5F-F361330ABABD}"/>
               </a:ext>
             </a:extLst>
           </p:cNvPr>
@@ -8842,19 +8488,22 @@
           <a:lstStyle/>
           <a:p>
             <a:r>
-              <a:rPr lang="en-US" altLang="ko-KR" sz="3600" b="1" dirty="0"/>
-              <a:t>SMAC</a:t>
-            </a:r>
-            <a:endParaRPr lang="ko-KR" altLang="en-US" sz="3600" b="1" dirty="0"/>
-          </a:p>
-        </p:txBody>
-      </p:sp>
-      <p:sp>
-        <p:nvSpPr>
-          <p:cNvPr id="3" name="내용 개체 틀 2">
+              <a:rPr lang="en-US" altLang="ko-KR" dirty="0" err="1"/>
+              <a:t>PyMARL</a:t>
+            </a:r>
+            <a:br>
+              <a:rPr lang="en-US" altLang="ko-KR" dirty="0"/>
+            </a:br>
+            <a:endParaRPr lang="ko-KR" altLang="en-US" dirty="0"/>
+          </a:p>
+        </p:txBody>
+      </p:sp>
+      <p:sp>
+        <p:nvSpPr>
+          <p:cNvPr id="3" name="텍스트 개체 틀 2">
             <a:extLst>
               <a:ext uri="{FF2B5EF4-FFF2-40B4-BE49-F238E27FC236}">
-                <a16:creationId xmlns:a16="http://schemas.microsoft.com/office/drawing/2014/main" id="{A13F8D4D-F555-4C80-BEA5-60904777A55C}"/>
+                <a16:creationId xmlns:a16="http://schemas.microsoft.com/office/drawing/2014/main" id="{D61BA234-B7AB-4EEE-9EF1-5794FA55B6EB}"/>
               </a:ext>
             </a:extLst>
           </p:cNvPr>
@@ -8862,7 +8511,7 @@
             <a:spLocks noGrp="1"/>
           </p:cNvSpPr>
           <p:nvPr>
-            <p:ph idx="1"/>
+            <p:ph type="body" idx="1"/>
           </p:nvPr>
         </p:nvSpPr>
         <p:spPr/>
@@ -8870,265 +8519,14 @@
           <a:bodyPr/>
           <a:lstStyle/>
           <a:p>
-            <a:r>
-              <a:rPr lang="en-US" altLang="ko-KR" sz="2400" b="1" dirty="0"/>
-              <a:t>State and Observations</a:t>
-            </a:r>
-          </a:p>
-          <a:p>
-            <a:pPr lvl="1"/>
-            <a:r>
-              <a:rPr lang="ko-KR" altLang="en-US" sz="2000" dirty="0">
-                <a:latin typeface="+mj-ea"/>
-              </a:rPr>
-              <a:t>유닛은 다른 유닛들 중 시야 범위에 있는 유닛만 탐색 가능하다</a:t>
-            </a:r>
-            <a:endParaRPr lang="en-US" altLang="ko-KR" sz="2000" dirty="0">
-              <a:latin typeface="+mj-ea"/>
-            </a:endParaRPr>
-          </a:p>
-          <a:p>
-            <a:pPr lvl="2"/>
-            <a:r>
-              <a:rPr lang="en-US" altLang="ko-KR" sz="1600" dirty="0" err="1">
-                <a:latin typeface="+mj-ea"/>
-              </a:rPr>
-              <a:t>Agnet</a:t>
-            </a:r>
-            <a:r>
-              <a:rPr lang="ko-KR" altLang="en-US" sz="1600" dirty="0">
-                <a:latin typeface="+mj-ea"/>
-              </a:rPr>
-              <a:t>는 어떤 유닛이 </a:t>
-            </a:r>
-            <a:r>
-              <a:rPr lang="ko-KR" altLang="en-US" sz="1600" dirty="0" err="1">
-                <a:latin typeface="+mj-ea"/>
-              </a:rPr>
-              <a:t>죽었는지와</a:t>
-            </a:r>
-            <a:r>
-              <a:rPr lang="ko-KR" altLang="en-US" sz="1600" dirty="0">
-                <a:latin typeface="+mj-ea"/>
-              </a:rPr>
-              <a:t> 얼마나 </a:t>
-            </a:r>
-            <a:r>
-              <a:rPr lang="ko-KR" altLang="en-US" sz="1600" dirty="0" err="1">
-                <a:latin typeface="+mj-ea"/>
-              </a:rPr>
-              <a:t>떨어저</a:t>
-            </a:r>
-            <a:r>
-              <a:rPr lang="ko-KR" altLang="en-US" sz="1600" dirty="0">
-                <a:latin typeface="+mj-ea"/>
-              </a:rPr>
-              <a:t> 있는지는 알지 못한다</a:t>
-            </a:r>
-            <a:endParaRPr lang="en-US" altLang="ko-KR" sz="1600" dirty="0">
-              <a:latin typeface="+mj-ea"/>
-            </a:endParaRPr>
-          </a:p>
-          <a:p>
-            <a:pPr lvl="1"/>
-            <a:endParaRPr lang="en-US" altLang="ko-KR" sz="2000" dirty="0">
-              <a:latin typeface="+mj-ea"/>
-            </a:endParaRPr>
-          </a:p>
-          <a:p>
-            <a:pPr lvl="1"/>
-            <a:r>
-              <a:rPr lang="en-US" altLang="ko-KR" sz="2000" dirty="0"/>
-              <a:t>Feature </a:t>
-            </a:r>
-            <a:r>
-              <a:rPr lang="ko-KR" altLang="en-US" sz="2000" dirty="0"/>
-              <a:t>들이 </a:t>
-            </a:r>
-            <a:r>
-              <a:rPr lang="en-US" altLang="ko-KR" sz="2000" dirty="0"/>
-              <a:t>vector</a:t>
-            </a:r>
-            <a:r>
-              <a:rPr lang="ko-KR" altLang="en-US" sz="2000" dirty="0"/>
-              <a:t>로 제공됨</a:t>
-            </a:r>
-            <a:r>
-              <a:rPr lang="en-US" altLang="ko-KR" sz="2000" dirty="0"/>
-              <a:t>(</a:t>
-            </a:r>
-            <a:r>
-              <a:rPr lang="ko-KR" altLang="en-US" sz="2000" dirty="0"/>
-              <a:t>시야 범위에 있어야 함</a:t>
-            </a:r>
-            <a:r>
-              <a:rPr lang="en-US" altLang="ko-KR" sz="2000" dirty="0"/>
-              <a:t>)</a:t>
-            </a:r>
-          </a:p>
-          <a:p>
-            <a:pPr lvl="2"/>
-            <a:r>
-              <a:rPr lang="en-US" altLang="ko-KR" sz="1600" dirty="0"/>
-              <a:t>Distance , relative x, relative y, health, shield, and </a:t>
-            </a:r>
-            <a:r>
-              <a:rPr lang="en-US" altLang="ko-KR" sz="1600" dirty="0" err="1"/>
-              <a:t>unit_type</a:t>
-            </a:r>
-            <a:endParaRPr lang="en-US" altLang="ko-KR" sz="1600" dirty="0"/>
-          </a:p>
-          <a:p>
-            <a:pPr lvl="2"/>
-            <a:endParaRPr lang="en-US" altLang="ko-KR" sz="1600" dirty="0">
-              <a:latin typeface="+mj-ea"/>
-            </a:endParaRPr>
-          </a:p>
-          <a:p>
-            <a:r>
-              <a:rPr lang="en-US" altLang="ko-KR" sz="2400" b="1" dirty="0"/>
-              <a:t>Action Space </a:t>
-            </a:r>
-          </a:p>
-          <a:p>
-            <a:pPr lvl="1"/>
-            <a:r>
-              <a:rPr lang="ko-KR" altLang="en-US" sz="2000" dirty="0">
-                <a:latin typeface="+mj-ea"/>
-              </a:rPr>
-              <a:t>이산적인 </a:t>
-            </a:r>
-            <a:r>
-              <a:rPr lang="en-US" altLang="ko-KR" sz="2000" dirty="0" err="1">
-                <a:latin typeface="+mj-ea"/>
-              </a:rPr>
-              <a:t>acrion</a:t>
-            </a:r>
-            <a:r>
-              <a:rPr lang="en-US" altLang="ko-KR" sz="2000" dirty="0">
-                <a:latin typeface="+mj-ea"/>
-              </a:rPr>
-              <a:t> space</a:t>
-            </a:r>
-            <a:r>
-              <a:rPr lang="ko-KR" altLang="en-US" sz="2000" dirty="0">
-                <a:latin typeface="+mj-ea"/>
-              </a:rPr>
-              <a:t>로 구성</a:t>
-            </a:r>
-            <a:endParaRPr lang="en-US" altLang="ko-KR" sz="2000" dirty="0">
-              <a:latin typeface="+mj-ea"/>
-            </a:endParaRPr>
-          </a:p>
-          <a:p>
-            <a:pPr lvl="2"/>
-            <a:r>
-              <a:rPr lang="en-US" altLang="ko-KR" sz="1600" dirty="0"/>
-              <a:t>move[direction] , attack[</a:t>
-            </a:r>
-            <a:r>
-              <a:rPr lang="en-US" altLang="ko-KR" sz="1600" dirty="0" err="1"/>
-              <a:t>enemy_id</a:t>
-            </a:r>
-            <a:r>
-              <a:rPr lang="en-US" altLang="ko-KR" sz="1600" dirty="0"/>
-              <a:t>], stop and no-op</a:t>
-            </a:r>
-            <a:endParaRPr lang="en-US" altLang="ko-KR" sz="1600" dirty="0">
-              <a:latin typeface="+mj-ea"/>
-            </a:endParaRPr>
-          </a:p>
-          <a:p>
-            <a:pPr lvl="2"/>
-            <a:r>
-              <a:rPr lang="en-US" altLang="ko-KR" sz="1600" dirty="0"/>
-              <a:t>healer units(Medivacs)</a:t>
-            </a:r>
-            <a:r>
-              <a:rPr lang="ko-KR" altLang="en-US" sz="1600" dirty="0"/>
-              <a:t>은 </a:t>
-            </a:r>
-            <a:r>
-              <a:rPr lang="en-US" altLang="ko-KR" sz="1600" dirty="0"/>
-              <a:t>attack[</a:t>
-            </a:r>
-            <a:r>
-              <a:rPr lang="en-US" altLang="ko-KR" sz="1600" dirty="0" err="1"/>
-              <a:t>enemy_id</a:t>
-            </a:r>
-            <a:r>
-              <a:rPr lang="en-US" altLang="ko-KR" sz="1600" dirty="0"/>
-              <a:t>] </a:t>
-            </a:r>
-            <a:r>
-              <a:rPr lang="ko-KR" altLang="en-US" sz="1600" dirty="0"/>
-              <a:t>대신에 </a:t>
-            </a:r>
-            <a:r>
-              <a:rPr lang="en-US" altLang="ko-KR" sz="1600" dirty="0"/>
-              <a:t>e heal[</a:t>
-            </a:r>
-            <a:r>
-              <a:rPr lang="en-US" altLang="ko-KR" sz="1600" dirty="0" err="1"/>
-              <a:t>agent_id</a:t>
-            </a:r>
-            <a:r>
-              <a:rPr lang="en-US" altLang="ko-KR" sz="1600" dirty="0"/>
-              <a:t>] </a:t>
-            </a:r>
-            <a:r>
-              <a:rPr lang="ko-KR" altLang="en-US" sz="1600" dirty="0"/>
-              <a:t>사용</a:t>
-            </a:r>
-            <a:endParaRPr lang="en-US" altLang="ko-KR" sz="1600" dirty="0"/>
-          </a:p>
-          <a:p>
-            <a:pPr lvl="2"/>
-            <a:r>
-              <a:rPr lang="en-US" altLang="ko-KR" sz="1600" dirty="0"/>
-              <a:t>attack[</a:t>
-            </a:r>
-            <a:r>
-              <a:rPr lang="en-US" altLang="ko-KR" sz="1600" dirty="0" err="1"/>
-              <a:t>enemy_id</a:t>
-            </a:r>
-            <a:r>
-              <a:rPr lang="en-US" altLang="ko-KR" sz="1600" dirty="0"/>
-              <a:t>]</a:t>
-            </a:r>
-            <a:r>
-              <a:rPr lang="ko-KR" altLang="en-US" sz="1600" dirty="0"/>
-              <a:t>은 </a:t>
-            </a:r>
-            <a:r>
-              <a:rPr lang="en-US" altLang="ko-KR" sz="1600" dirty="0"/>
-              <a:t>shooting range </a:t>
-            </a:r>
-            <a:r>
-              <a:rPr lang="ko-KR" altLang="en-US" sz="1600" dirty="0"/>
-              <a:t>에서만 사용됨</a:t>
-            </a:r>
-            <a:r>
-              <a:rPr lang="en-US" altLang="ko-KR" sz="1600" dirty="0"/>
-              <a:t>.</a:t>
-            </a:r>
-            <a:endParaRPr lang="en-US" altLang="ko-KR" sz="1600" b="1" dirty="0"/>
-          </a:p>
-          <a:p>
-            <a:endParaRPr lang="en-US" altLang="ko-KR" dirty="0"/>
-          </a:p>
-          <a:p>
-            <a:endParaRPr lang="en-US" altLang="ko-KR" dirty="0"/>
-          </a:p>
-          <a:p>
-            <a:endParaRPr lang="ko-KR" altLang="en-US" dirty="0"/>
+            <a:endParaRPr lang="ko-KR" altLang="en-US"/>
           </a:p>
         </p:txBody>
       </p:sp>
     </p:spTree>
     <p:extLst>
       <p:ext uri="{BB962C8B-B14F-4D97-AF65-F5344CB8AC3E}">
-        <p14:creationId xmlns:p14="http://schemas.microsoft.com/office/powerpoint/2010/main" val="3101347112"/>
+        <p14:creationId xmlns:p14="http://schemas.microsoft.com/office/powerpoint/2010/main" val="2548117019"/>
       </p:ext>
     </p:extLst>
   </p:cSld>
@@ -9177,8 +8575,8 @@
           <a:lstStyle/>
           <a:p>
             <a:r>
-              <a:rPr lang="en-US" altLang="ko-KR" sz="3600" b="1" dirty="0"/>
-              <a:t>SMAC</a:t>
+              <a:rPr lang="en-US" altLang="ko-KR" sz="3600" b="1" dirty="0" err="1"/>
+              <a:t>PyMARL</a:t>
             </a:r>
             <a:endParaRPr lang="ko-KR" altLang="en-US" sz="3600" b="1" dirty="0"/>
           </a:p>
@@ -9207,81 +8605,131 @@
           <a:p>
             <a:r>
               <a:rPr lang="en-US" altLang="ko-KR" sz="2400" b="1" dirty="0"/>
-              <a:t>Reward</a:t>
-            </a:r>
+              <a:t>SMAC</a:t>
+            </a:r>
+            <a:r>
+              <a:rPr lang="ko-KR" altLang="en-US" sz="2400" b="1" dirty="0"/>
+              <a:t>의 </a:t>
+            </a:r>
+            <a:r>
+              <a:rPr lang="ko-KR" altLang="en-US" sz="2400" b="1" dirty="0" err="1"/>
+              <a:t>원할한</a:t>
+            </a:r>
+            <a:r>
+              <a:rPr lang="ko-KR" altLang="en-US" sz="2400" b="1" dirty="0"/>
+              <a:t> 개발을 위해 </a:t>
+            </a:r>
+            <a:r>
+              <a:rPr lang="en-US" altLang="ko-KR" sz="2400" b="1" dirty="0" err="1"/>
+              <a:t>PyMARL</a:t>
+            </a:r>
+            <a:r>
+              <a:rPr lang="en-US" altLang="ko-KR" sz="2400" b="1" dirty="0"/>
+              <a:t> framework </a:t>
+            </a:r>
+            <a:r>
+              <a:rPr lang="ko-KR" altLang="en-US" sz="2400" b="1" dirty="0"/>
+              <a:t>개발함</a:t>
+            </a:r>
+            <a:endParaRPr lang="en-US" altLang="ko-KR" sz="2400" b="1" dirty="0"/>
           </a:p>
           <a:p>
             <a:pPr lvl="1"/>
             <a:r>
               <a:rPr lang="ko-KR" altLang="en-US" sz="2000" dirty="0"/>
-              <a:t>승률을 올리는게 목표에 따라 </a:t>
+              <a:t>모듈화로 이루어져 있다</a:t>
             </a:r>
             <a:r>
               <a:rPr lang="en-US" altLang="ko-KR" sz="2000" dirty="0"/>
-              <a:t>shaped reward </a:t>
+              <a:t>.</a:t>
+            </a:r>
+          </a:p>
+          <a:p>
+            <a:pPr lvl="2"/>
+            <a:r>
+              <a:rPr lang="ko-KR" altLang="en-US" sz="1600" dirty="0"/>
+              <a:t>확장성 및 독립성이 보장 된다</a:t>
+            </a:r>
+            <a:r>
+              <a:rPr lang="en-US" altLang="ko-KR" sz="1600" dirty="0"/>
+              <a:t>.</a:t>
+            </a:r>
+          </a:p>
+          <a:p>
+            <a:pPr lvl="1"/>
+            <a:r>
+              <a:rPr lang="en-US" altLang="ko-KR" sz="2000" dirty="0" err="1"/>
+              <a:t>PyTorch</a:t>
             </a:r>
             <a:r>
               <a:rPr lang="ko-KR" altLang="en-US" sz="2000" dirty="0"/>
-              <a:t>사용</a:t>
+              <a:t>기반으로 제공 된다</a:t>
+            </a:r>
+            <a:r>
+              <a:rPr lang="en-US" altLang="ko-KR" sz="2000" dirty="0"/>
+              <a:t>.</a:t>
+            </a:r>
+          </a:p>
+          <a:p>
+            <a:pPr lvl="1"/>
+            <a:r>
+              <a:rPr lang="ko-KR" altLang="en-US" sz="2000" dirty="0"/>
+              <a:t>가독성을 위해 캡슐화 되어 있다</a:t>
+            </a:r>
+            <a:r>
+              <a:rPr lang="en-US" altLang="ko-KR" sz="2000" dirty="0"/>
+              <a:t>.</a:t>
+            </a:r>
+          </a:p>
+          <a:p>
+            <a:pPr lvl="1"/>
+            <a:r>
+              <a:rPr lang="ko-KR" altLang="en-US" sz="2000" dirty="0"/>
+              <a:t>몇가지 </a:t>
+            </a:r>
+            <a:r>
+              <a:rPr lang="en-US" altLang="ko-KR" sz="2000" dirty="0"/>
+              <a:t>algorithm</a:t>
+            </a:r>
+            <a:r>
+              <a:rPr lang="ko-KR" altLang="en-US" sz="2000" dirty="0"/>
+              <a:t>들을 제공한다</a:t>
             </a:r>
             <a:endParaRPr lang="en-US" altLang="ko-KR" sz="2000" dirty="0"/>
           </a:p>
           <a:p>
             <a:pPr lvl="2"/>
             <a:r>
+              <a:rPr lang="da-DK" altLang="ko-KR" sz="1600" dirty="0"/>
+              <a:t>QMIX (Rashid et al., 2018)</a:t>
+            </a:r>
+          </a:p>
+          <a:p>
+            <a:pPr lvl="2"/>
+            <a:r>
+              <a:rPr lang="fr-FR" altLang="ko-KR" sz="1600" dirty="0"/>
+              <a:t>QTRAN (Son et al., 2019)</a:t>
+            </a:r>
+          </a:p>
+          <a:p>
+            <a:pPr lvl="2"/>
+            <a:r>
               <a:rPr lang="en-US" altLang="ko-KR" sz="1600" dirty="0"/>
-              <a:t>Damage,</a:t>
-            </a:r>
-            <a:r>
-              <a:rPr lang="ko-KR" altLang="en-US" sz="1600" dirty="0"/>
-              <a:t> 죽인 유닛 수</a:t>
-            </a:r>
+              <a:t>COMA (Foerster et al., 2018a)</a:t>
+            </a:r>
+          </a:p>
+          <a:p>
+            <a:pPr lvl="2"/>
+            <a:r>
+              <a:rPr lang="da-DK" altLang="ko-KR" sz="1600" dirty="0"/>
+              <a:t>VDN (Sunehag et al., 2017)</a:t>
+            </a:r>
+          </a:p>
+          <a:p>
+            <a:pPr lvl="2"/>
             <a:r>
               <a:rPr lang="en-US" altLang="ko-KR" sz="1600" dirty="0"/>
-              <a:t>, special bonus</a:t>
-            </a:r>
-          </a:p>
-          <a:p>
-            <a:pPr lvl="1"/>
-            <a:r>
-              <a:rPr lang="en-US" altLang="ko-KR" sz="2000" dirty="0"/>
-              <a:t>sparse reward option</a:t>
-            </a:r>
-            <a:r>
-              <a:rPr lang="ko-KR" altLang="en-US" sz="2000" dirty="0"/>
-              <a:t>도 사용</a:t>
-            </a:r>
-            <a:endParaRPr lang="en-US" altLang="ko-KR" sz="2000" dirty="0"/>
-          </a:p>
-          <a:p>
-            <a:pPr lvl="2"/>
-            <a:r>
-              <a:rPr lang="en-US" altLang="ko-KR" sz="1600" dirty="0"/>
-              <a:t>Win</a:t>
-            </a:r>
-            <a:r>
-              <a:rPr lang="ko-KR" altLang="en-US" sz="1600" dirty="0"/>
-              <a:t> </a:t>
-            </a:r>
-            <a:r>
-              <a:rPr lang="en-US" altLang="ko-KR" sz="1600" dirty="0"/>
-              <a:t>1,</a:t>
-            </a:r>
-            <a:r>
-              <a:rPr lang="ko-KR" altLang="en-US" sz="1600" dirty="0"/>
-              <a:t> </a:t>
-            </a:r>
-            <a:r>
-              <a:rPr lang="en-US" altLang="ko-KR" sz="1600" dirty="0"/>
-              <a:t>lose</a:t>
-            </a:r>
-            <a:r>
-              <a:rPr lang="ko-KR" altLang="en-US" sz="1600" dirty="0"/>
-              <a:t> </a:t>
-            </a:r>
-            <a:r>
-              <a:rPr lang="en-US" altLang="ko-KR" sz="1600" dirty="0"/>
-              <a:t>-1</a:t>
+              <a:t>IQL (Tan, 1993)</a:t>
             </a:r>
           </a:p>
           <a:p>
@@ -9289,12 +8737,38 @@
             <a:endParaRPr lang="en-US" altLang="ko-KR" sz="2000" dirty="0"/>
           </a:p>
           <a:p>
+            <a:pPr marL="457200" lvl="1" indent="0">
+              <a:buNone/>
+            </a:pPr>
+            <a:endParaRPr lang="en-US" altLang="ko-KR" b="1" dirty="0"/>
+          </a:p>
+          <a:p>
             <a:pPr lvl="1"/>
+            <a:endParaRPr lang="en-US" altLang="ko-KR" sz="2000" b="1" dirty="0"/>
+          </a:p>
+          <a:p>
+            <a:endParaRPr lang="en-US" altLang="ko-KR" sz="2400" b="1" dirty="0"/>
+          </a:p>
+          <a:p>
+            <a:endParaRPr lang="en-US" altLang="ko-KR" sz="2400" b="1" dirty="0"/>
+          </a:p>
+          <a:p>
+            <a:pPr marL="457200" lvl="1" indent="0">
+              <a:buNone/>
+            </a:pPr>
             <a:endParaRPr lang="en-US" altLang="ko-KR" sz="2000" dirty="0"/>
           </a:p>
           <a:p>
-            <a:pPr lvl="2"/>
-            <a:endParaRPr lang="en-US" altLang="ko-KR" sz="1600" dirty="0"/>
+            <a:endParaRPr lang="en-US" altLang="ko-KR" sz="1600" dirty="0">
+              <a:latin typeface="+mj-ea"/>
+            </a:endParaRPr>
+          </a:p>
+          <a:p>
+            <a:pPr lvl="1"/>
+            <a:endParaRPr lang="en-US" altLang="ko-KR" sz="2400" b="1" dirty="0"/>
+          </a:p>
+          <a:p>
+            <a:endParaRPr lang="en-US" altLang="ko-KR" dirty="0"/>
           </a:p>
           <a:p>
             <a:endParaRPr lang="en-US" altLang="ko-KR" dirty="0"/>
@@ -9307,7 +8781,7 @@
     </p:spTree>
     <p:extLst>
       <p:ext uri="{BB962C8B-B14F-4D97-AF65-F5344CB8AC3E}">
-        <p14:creationId xmlns:p14="http://schemas.microsoft.com/office/powerpoint/2010/main" val="901525552"/>
+        <p14:creationId xmlns:p14="http://schemas.microsoft.com/office/powerpoint/2010/main" val="2556945453"/>
       </p:ext>
     </p:extLst>
   </p:cSld>
@@ -9356,8 +8830,8 @@
           <a:lstStyle/>
           <a:p>
             <a:r>
-              <a:rPr lang="en-US" altLang="ko-KR" dirty="0" err="1"/>
-              <a:t>PyMARL</a:t>
+              <a:rPr lang="en-US" altLang="ko-KR" dirty="0"/>
+              <a:t>Results</a:t>
             </a:r>
             <a:br>
               <a:rPr lang="en-US" altLang="ko-KR" dirty="0"/>
@@ -9394,7 +8868,7 @@
     </p:spTree>
     <p:extLst>
       <p:ext uri="{BB962C8B-B14F-4D97-AF65-F5344CB8AC3E}">
-        <p14:creationId xmlns:p14="http://schemas.microsoft.com/office/powerpoint/2010/main" val="2548117019"/>
+        <p14:creationId xmlns:p14="http://schemas.microsoft.com/office/powerpoint/2010/main" val="1764735091"/>
       </p:ext>
     </p:extLst>
   </p:cSld>
@@ -9571,348 +9045,6 @@
 </file>
 
 <file path=ppt/slides/slide20.xml><?xml version="1.0" encoding="utf-8"?>
-<p:sld xmlns:a="http://schemas.openxmlformats.org/drawingml/2006/main" xmlns:r="http://schemas.openxmlformats.org/officeDocument/2006/relationships" xmlns:p="http://schemas.openxmlformats.org/presentationml/2006/main">
-  <p:cSld>
-    <p:spTree>
-      <p:nvGrpSpPr>
-        <p:cNvPr id="1" name=""/>
-        <p:cNvGrpSpPr/>
-        <p:nvPr/>
-      </p:nvGrpSpPr>
-      <p:grpSpPr>
-        <a:xfrm>
-          <a:off x="0" y="0"/>
-          <a:ext cx="0" cy="0"/>
-          <a:chOff x="0" y="0"/>
-          <a:chExt cx="0" cy="0"/>
-        </a:xfrm>
-      </p:grpSpPr>
-      <p:sp>
-        <p:nvSpPr>
-          <p:cNvPr id="2" name="제목 1">
-            <a:extLst>
-              <a:ext uri="{FF2B5EF4-FFF2-40B4-BE49-F238E27FC236}">
-                <a16:creationId xmlns:a16="http://schemas.microsoft.com/office/drawing/2014/main" id="{15A43040-FDE0-41CA-A523-30C7DE7EC5CC}"/>
-              </a:ext>
-            </a:extLst>
-          </p:cNvPr>
-          <p:cNvSpPr>
-            <a:spLocks noGrp="1"/>
-          </p:cNvSpPr>
-          <p:nvPr>
-            <p:ph type="title"/>
-          </p:nvPr>
-        </p:nvSpPr>
-        <p:spPr/>
-        <p:txBody>
-          <a:bodyPr/>
-          <a:lstStyle/>
-          <a:p>
-            <a:r>
-              <a:rPr lang="en-US" altLang="ko-KR" sz="3600" b="1" dirty="0" err="1"/>
-              <a:t>PyMARL</a:t>
-            </a:r>
-            <a:endParaRPr lang="ko-KR" altLang="en-US" sz="3600" b="1" dirty="0"/>
-          </a:p>
-        </p:txBody>
-      </p:sp>
-      <p:sp>
-        <p:nvSpPr>
-          <p:cNvPr id="3" name="내용 개체 틀 2">
-            <a:extLst>
-              <a:ext uri="{FF2B5EF4-FFF2-40B4-BE49-F238E27FC236}">
-                <a16:creationId xmlns:a16="http://schemas.microsoft.com/office/drawing/2014/main" id="{A13F8D4D-F555-4C80-BEA5-60904777A55C}"/>
-              </a:ext>
-            </a:extLst>
-          </p:cNvPr>
-          <p:cNvSpPr>
-            <a:spLocks noGrp="1"/>
-          </p:cNvSpPr>
-          <p:nvPr>
-            <p:ph idx="1"/>
-          </p:nvPr>
-        </p:nvSpPr>
-        <p:spPr/>
-        <p:txBody>
-          <a:bodyPr/>
-          <a:lstStyle/>
-          <a:p>
-            <a:r>
-              <a:rPr lang="en-US" altLang="ko-KR" sz="2400" b="1" dirty="0"/>
-              <a:t>SMAC</a:t>
-            </a:r>
-            <a:r>
-              <a:rPr lang="ko-KR" altLang="en-US" sz="2400" b="1" dirty="0"/>
-              <a:t>의 </a:t>
-            </a:r>
-            <a:r>
-              <a:rPr lang="ko-KR" altLang="en-US" sz="2400" b="1" dirty="0" err="1"/>
-              <a:t>원할한</a:t>
-            </a:r>
-            <a:r>
-              <a:rPr lang="ko-KR" altLang="en-US" sz="2400" b="1" dirty="0"/>
-              <a:t> 개발을 위해 </a:t>
-            </a:r>
-            <a:r>
-              <a:rPr lang="en-US" altLang="ko-KR" sz="2400" b="1" dirty="0" err="1"/>
-              <a:t>PyMARL</a:t>
-            </a:r>
-            <a:r>
-              <a:rPr lang="en-US" altLang="ko-KR" sz="2400" b="1" dirty="0"/>
-              <a:t> framework </a:t>
-            </a:r>
-            <a:r>
-              <a:rPr lang="ko-KR" altLang="en-US" sz="2400" b="1" dirty="0"/>
-              <a:t>개발함</a:t>
-            </a:r>
-            <a:endParaRPr lang="en-US" altLang="ko-KR" sz="2400" b="1" dirty="0"/>
-          </a:p>
-          <a:p>
-            <a:pPr lvl="1"/>
-            <a:r>
-              <a:rPr lang="ko-KR" altLang="en-US" sz="2000" dirty="0"/>
-              <a:t>모듈화로 이루어져 있다</a:t>
-            </a:r>
-            <a:r>
-              <a:rPr lang="en-US" altLang="ko-KR" sz="2000" dirty="0"/>
-              <a:t>.</a:t>
-            </a:r>
-          </a:p>
-          <a:p>
-            <a:pPr lvl="2"/>
-            <a:r>
-              <a:rPr lang="ko-KR" altLang="en-US" sz="1600" dirty="0"/>
-              <a:t>확장성 및 독립성이 보장 된다</a:t>
-            </a:r>
-            <a:r>
-              <a:rPr lang="en-US" altLang="ko-KR" sz="1600" dirty="0"/>
-              <a:t>.</a:t>
-            </a:r>
-          </a:p>
-          <a:p>
-            <a:pPr lvl="1"/>
-            <a:r>
-              <a:rPr lang="en-US" altLang="ko-KR" sz="2000" dirty="0" err="1"/>
-              <a:t>PyTorch</a:t>
-            </a:r>
-            <a:r>
-              <a:rPr lang="ko-KR" altLang="en-US" sz="2000" dirty="0"/>
-              <a:t>기반으로 제공 된다</a:t>
-            </a:r>
-            <a:r>
-              <a:rPr lang="en-US" altLang="ko-KR" sz="2000" dirty="0"/>
-              <a:t>.</a:t>
-            </a:r>
-          </a:p>
-          <a:p>
-            <a:pPr lvl="1"/>
-            <a:r>
-              <a:rPr lang="ko-KR" altLang="en-US" sz="2000" dirty="0"/>
-              <a:t>가독성을 위해 캡슐화 되어 있다</a:t>
-            </a:r>
-            <a:r>
-              <a:rPr lang="en-US" altLang="ko-KR" sz="2000" dirty="0"/>
-              <a:t>.</a:t>
-            </a:r>
-          </a:p>
-          <a:p>
-            <a:pPr lvl="1"/>
-            <a:r>
-              <a:rPr lang="ko-KR" altLang="en-US" sz="2000" dirty="0"/>
-              <a:t>몇가지 </a:t>
-            </a:r>
-            <a:r>
-              <a:rPr lang="en-US" altLang="ko-KR" sz="2000" dirty="0"/>
-              <a:t>algorithm</a:t>
-            </a:r>
-            <a:r>
-              <a:rPr lang="ko-KR" altLang="en-US" sz="2000" dirty="0"/>
-              <a:t>들을 제공한다</a:t>
-            </a:r>
-            <a:endParaRPr lang="en-US" altLang="ko-KR" sz="2000" dirty="0"/>
-          </a:p>
-          <a:p>
-            <a:pPr lvl="2"/>
-            <a:r>
-              <a:rPr lang="da-DK" altLang="ko-KR" sz="1600" dirty="0"/>
-              <a:t>QMIX (Rashid et al., 2018)</a:t>
-            </a:r>
-          </a:p>
-          <a:p>
-            <a:pPr lvl="2"/>
-            <a:r>
-              <a:rPr lang="fr-FR" altLang="ko-KR" sz="1600" dirty="0"/>
-              <a:t>QTRAN (Son et al., 2019)</a:t>
-            </a:r>
-          </a:p>
-          <a:p>
-            <a:pPr lvl="2"/>
-            <a:r>
-              <a:rPr lang="en-US" altLang="ko-KR" sz="1600" dirty="0"/>
-              <a:t>COMA (Foerster et al., 2018a)</a:t>
-            </a:r>
-          </a:p>
-          <a:p>
-            <a:pPr lvl="2"/>
-            <a:r>
-              <a:rPr lang="da-DK" altLang="ko-KR" sz="1600" dirty="0"/>
-              <a:t>VDN (Sunehag et al., 2017)</a:t>
-            </a:r>
-          </a:p>
-          <a:p>
-            <a:pPr lvl="2"/>
-            <a:r>
-              <a:rPr lang="en-US" altLang="ko-KR" sz="1600" dirty="0"/>
-              <a:t>IQL (Tan, 1993)</a:t>
-            </a:r>
-          </a:p>
-          <a:p>
-            <a:pPr lvl="1"/>
-            <a:endParaRPr lang="en-US" altLang="ko-KR" sz="2000" dirty="0"/>
-          </a:p>
-          <a:p>
-            <a:pPr marL="457200" lvl="1" indent="0">
-              <a:buNone/>
-            </a:pPr>
-            <a:endParaRPr lang="en-US" altLang="ko-KR" b="1" dirty="0"/>
-          </a:p>
-          <a:p>
-            <a:pPr lvl="1"/>
-            <a:endParaRPr lang="en-US" altLang="ko-KR" sz="2000" b="1" dirty="0"/>
-          </a:p>
-          <a:p>
-            <a:endParaRPr lang="en-US" altLang="ko-KR" sz="2400" b="1" dirty="0"/>
-          </a:p>
-          <a:p>
-            <a:endParaRPr lang="en-US" altLang="ko-KR" sz="2400" b="1" dirty="0"/>
-          </a:p>
-          <a:p>
-            <a:pPr marL="457200" lvl="1" indent="0">
-              <a:buNone/>
-            </a:pPr>
-            <a:endParaRPr lang="en-US" altLang="ko-KR" sz="2000" dirty="0"/>
-          </a:p>
-          <a:p>
-            <a:endParaRPr lang="en-US" altLang="ko-KR" sz="1600" dirty="0">
-              <a:latin typeface="+mj-ea"/>
-            </a:endParaRPr>
-          </a:p>
-          <a:p>
-            <a:pPr lvl="1"/>
-            <a:endParaRPr lang="en-US" altLang="ko-KR" sz="2400" b="1" dirty="0"/>
-          </a:p>
-          <a:p>
-            <a:endParaRPr lang="en-US" altLang="ko-KR" dirty="0"/>
-          </a:p>
-          <a:p>
-            <a:endParaRPr lang="en-US" altLang="ko-KR" dirty="0"/>
-          </a:p>
-          <a:p>
-            <a:endParaRPr lang="ko-KR" altLang="en-US" dirty="0"/>
-          </a:p>
-        </p:txBody>
-      </p:sp>
-    </p:spTree>
-    <p:extLst>
-      <p:ext uri="{BB962C8B-B14F-4D97-AF65-F5344CB8AC3E}">
-        <p14:creationId xmlns:p14="http://schemas.microsoft.com/office/powerpoint/2010/main" val="2556945453"/>
-      </p:ext>
-    </p:extLst>
-  </p:cSld>
-  <p:clrMapOvr>
-    <a:masterClrMapping/>
-  </p:clrMapOvr>
-</p:sld>
-</file>
-
-<file path=ppt/slides/slide21.xml><?xml version="1.0" encoding="utf-8"?>
-<p:sld xmlns:a="http://schemas.openxmlformats.org/drawingml/2006/main" xmlns:r="http://schemas.openxmlformats.org/officeDocument/2006/relationships" xmlns:p="http://schemas.openxmlformats.org/presentationml/2006/main">
-  <p:cSld>
-    <p:spTree>
-      <p:nvGrpSpPr>
-        <p:cNvPr id="1" name=""/>
-        <p:cNvGrpSpPr/>
-        <p:nvPr/>
-      </p:nvGrpSpPr>
-      <p:grpSpPr>
-        <a:xfrm>
-          <a:off x="0" y="0"/>
-          <a:ext cx="0" cy="0"/>
-          <a:chOff x="0" y="0"/>
-          <a:chExt cx="0" cy="0"/>
-        </a:xfrm>
-      </p:grpSpPr>
-      <p:sp>
-        <p:nvSpPr>
-          <p:cNvPr id="2" name="제목 1">
-            <a:extLst>
-              <a:ext uri="{FF2B5EF4-FFF2-40B4-BE49-F238E27FC236}">
-                <a16:creationId xmlns:a16="http://schemas.microsoft.com/office/drawing/2014/main" id="{AC703D32-08EA-4A17-AD5F-F361330ABABD}"/>
-              </a:ext>
-            </a:extLst>
-          </p:cNvPr>
-          <p:cNvSpPr>
-            <a:spLocks noGrp="1"/>
-          </p:cNvSpPr>
-          <p:nvPr>
-            <p:ph type="title"/>
-          </p:nvPr>
-        </p:nvSpPr>
-        <p:spPr/>
-        <p:txBody>
-          <a:bodyPr/>
-          <a:lstStyle/>
-          <a:p>
-            <a:r>
-              <a:rPr lang="en-US" altLang="ko-KR" dirty="0"/>
-              <a:t>Results</a:t>
-            </a:r>
-            <a:br>
-              <a:rPr lang="en-US" altLang="ko-KR" dirty="0"/>
-            </a:br>
-            <a:endParaRPr lang="ko-KR" altLang="en-US" dirty="0"/>
-          </a:p>
-        </p:txBody>
-      </p:sp>
-      <p:sp>
-        <p:nvSpPr>
-          <p:cNvPr id="3" name="텍스트 개체 틀 2">
-            <a:extLst>
-              <a:ext uri="{FF2B5EF4-FFF2-40B4-BE49-F238E27FC236}">
-                <a16:creationId xmlns:a16="http://schemas.microsoft.com/office/drawing/2014/main" id="{D61BA234-B7AB-4EEE-9EF1-5794FA55B6EB}"/>
-              </a:ext>
-            </a:extLst>
-          </p:cNvPr>
-          <p:cNvSpPr>
-            <a:spLocks noGrp="1"/>
-          </p:cNvSpPr>
-          <p:nvPr>
-            <p:ph type="body" idx="1"/>
-          </p:nvPr>
-        </p:nvSpPr>
-        <p:spPr/>
-        <p:txBody>
-          <a:bodyPr/>
-          <a:lstStyle/>
-          <a:p>
-            <a:endParaRPr lang="ko-KR" altLang="en-US"/>
-          </a:p>
-        </p:txBody>
-      </p:sp>
-    </p:spTree>
-    <p:extLst>
-      <p:ext uri="{BB962C8B-B14F-4D97-AF65-F5344CB8AC3E}">
-        <p14:creationId xmlns:p14="http://schemas.microsoft.com/office/powerpoint/2010/main" val="1764735091"/>
-      </p:ext>
-    </p:extLst>
-  </p:cSld>
-  <p:clrMapOvr>
-    <a:masterClrMapping/>
-  </p:clrMapOvr>
-</p:sld>
-</file>
-
-<file path=ppt/slides/slide22.xml><?xml version="1.0" encoding="utf-8"?>
 <p:sld xmlns:a="http://schemas.openxmlformats.org/drawingml/2006/main" xmlns:r="http://schemas.openxmlformats.org/officeDocument/2006/relationships" xmlns:p="http://schemas.openxmlformats.org/presentationml/2006/main">
   <p:cSld>
     <p:spTree>
@@ -10032,7 +9164,7 @@
 </p:sld>
 </file>
 
-<file path=ppt/slides/slide23.xml><?xml version="1.0" encoding="utf-8"?>
+<file path=ppt/slides/slide21.xml><?xml version="1.0" encoding="utf-8"?>
 <p:sld xmlns:a="http://schemas.openxmlformats.org/drawingml/2006/main" xmlns:r="http://schemas.openxmlformats.org/officeDocument/2006/relationships" xmlns:p="http://schemas.openxmlformats.org/presentationml/2006/main">
   <p:cSld>
     <p:spTree>
@@ -10155,7 +9287,7 @@
 </p:sld>
 </file>
 
-<file path=ppt/slides/slide24.xml><?xml version="1.0" encoding="utf-8"?>
+<file path=ppt/slides/slide22.xml><?xml version="1.0" encoding="utf-8"?>
 <p:sld xmlns:a="http://schemas.openxmlformats.org/drawingml/2006/main" xmlns:r="http://schemas.openxmlformats.org/officeDocument/2006/relationships" xmlns:p="http://schemas.openxmlformats.org/presentationml/2006/main">
   <p:cSld>
     <p:spTree>
@@ -10278,7 +9410,7 @@
 </p:sld>
 </file>
 
-<file path=ppt/slides/slide25.xml><?xml version="1.0" encoding="utf-8"?>
+<file path=ppt/slides/slide23.xml><?xml version="1.0" encoding="utf-8"?>
 <p:sld xmlns:a="http://schemas.openxmlformats.org/drawingml/2006/main" xmlns:r="http://schemas.openxmlformats.org/officeDocument/2006/relationships" xmlns:p="http://schemas.openxmlformats.org/presentationml/2006/main">
   <p:cSld>
     <p:spTree>
@@ -10401,7 +9533,7 @@
 </p:sld>
 </file>
 
-<file path=ppt/slides/slide26.xml><?xml version="1.0" encoding="utf-8"?>
+<file path=ppt/slides/slide24.xml><?xml version="1.0" encoding="utf-8"?>
 <p:sld xmlns:a="http://schemas.openxmlformats.org/drawingml/2006/main" xmlns:r="http://schemas.openxmlformats.org/officeDocument/2006/relationships" xmlns:p="http://schemas.openxmlformats.org/presentationml/2006/main">
   <p:cSld>
     <p:spTree>
@@ -10471,16 +9603,23 @@
           <a:bodyPr/>
           <a:lstStyle/>
           <a:p>
-            <a:endParaRPr lang="en-US" altLang="ko-KR" dirty="0"/>
-          </a:p>
-          <a:p>
             <a:pPr marL="0" indent="0">
               <a:buNone/>
             </a:pPr>
-            <a:endParaRPr lang="en-US" altLang="ko-KR" dirty="0"/>
-          </a:p>
-          <a:p>
-            <a:endParaRPr lang="ko-KR" altLang="en-US" dirty="0"/>
+            <a:r>
+              <a:rPr lang="en-US" altLang="ko-KR" b="1" dirty="0"/>
+              <a:t>QTRAN: Learning to Factorize with Transformation for Cooperative Multi-Agent Reinforcement Learning</a:t>
+            </a:r>
+          </a:p>
+          <a:p>
+            <a:pPr marL="0" indent="0">
+              <a:buNone/>
+            </a:pPr>
+            <a:r>
+              <a:rPr lang="en-US" altLang="ko-KR" b="1" i="1" dirty="0"/>
+              <a:t>(Submitted on 14 May 2019)</a:t>
+            </a:r>
+            <a:endParaRPr lang="ko-KR" altLang="en-US" b="1" dirty="0"/>
           </a:p>
         </p:txBody>
       </p:sp>
@@ -10506,8 +9645,8 @@
         </p:blipFill>
         <p:spPr>
           <a:xfrm>
-            <a:off x="269776" y="2197098"/>
-            <a:ext cx="8604448" cy="3759204"/>
+            <a:off x="323528" y="3284984"/>
+            <a:ext cx="8604448" cy="3269034"/>
           </a:xfrm>
           <a:prstGeom prst="rect">
             <a:avLst/>
@@ -10527,7 +9666,7 @@
 </p:sld>
 </file>
 
-<file path=ppt/slides/slide27.xml><?xml version="1.0" encoding="utf-8"?>
+<file path=ppt/slides/slide25.xml><?xml version="1.0" encoding="utf-8"?>
 <p:sld xmlns:a="http://schemas.openxmlformats.org/drawingml/2006/main" xmlns:r="http://schemas.openxmlformats.org/officeDocument/2006/relationships" xmlns:p="http://schemas.openxmlformats.org/presentationml/2006/main">
   <p:cSld>
     <p:spTree>
@@ -10658,7 +9797,7 @@
 </p:sld>
 </file>
 
-<file path=ppt/slides/slide28.xml><?xml version="1.0" encoding="utf-8"?>
+<file path=ppt/slides/slide26.xml><?xml version="1.0" encoding="utf-8"?>
 <p:sld xmlns:a="http://schemas.openxmlformats.org/drawingml/2006/main" xmlns:r="http://schemas.openxmlformats.org/officeDocument/2006/relationships" xmlns:p="http://schemas.openxmlformats.org/presentationml/2006/main">
   <p:cSld>
     <p:spTree>
@@ -10745,7 +9884,7 @@
 </p:sld>
 </file>
 
-<file path=ppt/slides/slide29.xml><?xml version="1.0" encoding="utf-8"?>
+<file path=ppt/slides/slide27.xml><?xml version="1.0" encoding="utf-8"?>
 <p:sld xmlns:a="http://schemas.openxmlformats.org/drawingml/2006/main" xmlns:r="http://schemas.openxmlformats.org/officeDocument/2006/relationships" xmlns:p="http://schemas.openxmlformats.org/presentationml/2006/main">
   <p:cSld>
     <p:spTree>
@@ -10882,15 +10021,7 @@
           <a:p>
             <a:r>
               <a:rPr lang="ko-KR" altLang="en-US" sz="2400" b="1" dirty="0"/>
-              <a:t>차후에 더 다양하고 다수의 </a:t>
-            </a:r>
-            <a:r>
-              <a:rPr lang="ko-KR" altLang="en-US" sz="2400" b="1" dirty="0" err="1"/>
-              <a:t>유닛조합으로로</a:t>
-            </a:r>
-            <a:r>
-              <a:rPr lang="ko-KR" altLang="en-US" sz="2400" b="1" dirty="0"/>
-              <a:t> 테스팅 할 예정이다</a:t>
+              <a:t>차후에 더 다양하고 다수의 유닛 조합으로 테스팅 할 예정이다</a:t>
             </a:r>
             <a:endParaRPr lang="en-US" altLang="ko-KR" sz="2400" b="1" dirty="0"/>
           </a:p>
@@ -12226,7 +11357,7 @@
           <p:cNvPr id="2" name="제목 1">
             <a:extLst>
               <a:ext uri="{FF2B5EF4-FFF2-40B4-BE49-F238E27FC236}">
-                <a16:creationId xmlns:a16="http://schemas.microsoft.com/office/drawing/2014/main" id="{15A43040-FDE0-41CA-A523-30C7DE7EC5CC}"/>
+                <a16:creationId xmlns:a16="http://schemas.microsoft.com/office/drawing/2014/main" id="{AC703D32-08EA-4A17-AD5F-F361330ABABD}"/>
               </a:ext>
             </a:extLst>
           </p:cNvPr>
@@ -12243,19 +11374,19 @@
           <a:lstStyle/>
           <a:p>
             <a:r>
-              <a:rPr lang="en-US" altLang="ko-KR" sz="3600" b="1" dirty="0"/>
-              <a:t>Related Work</a:t>
-            </a:r>
-            <a:endParaRPr lang="ko-KR" altLang="en-US" sz="3600" b="1" dirty="0"/>
-          </a:p>
-        </p:txBody>
-      </p:sp>
-      <p:sp>
-        <p:nvSpPr>
-          <p:cNvPr id="3" name="내용 개체 틀 2">
+              <a:rPr lang="en-US" altLang="ko-KR" dirty="0"/>
+              <a:t>Multi-Agent Reinforcement Learning</a:t>
+            </a:r>
+            <a:endParaRPr lang="ko-KR" altLang="en-US" dirty="0"/>
+          </a:p>
+        </p:txBody>
+      </p:sp>
+      <p:sp>
+        <p:nvSpPr>
+          <p:cNvPr id="3" name="텍스트 개체 틀 2">
             <a:extLst>
               <a:ext uri="{FF2B5EF4-FFF2-40B4-BE49-F238E27FC236}">
-                <a16:creationId xmlns:a16="http://schemas.microsoft.com/office/drawing/2014/main" id="{A13F8D4D-F555-4C80-BEA5-60904777A55C}"/>
+                <a16:creationId xmlns:a16="http://schemas.microsoft.com/office/drawing/2014/main" id="{D61BA234-B7AB-4EEE-9EF1-5794FA55B6EB}"/>
               </a:ext>
             </a:extLst>
           </p:cNvPr>
@@ -12263,7 +11394,7 @@
             <a:spLocks noGrp="1"/>
           </p:cNvSpPr>
           <p:nvPr>
-            <p:ph idx="1"/>
+            <p:ph type="body" idx="1"/>
           </p:nvPr>
         </p:nvSpPr>
         <p:spPr/>
@@ -12271,268 +11402,14 @@
           <a:bodyPr/>
           <a:lstStyle/>
           <a:p>
-            <a:r>
-              <a:rPr lang="en-US" altLang="ko-KR" sz="2400" b="1" dirty="0"/>
-              <a:t>counterfactual multi-agent (COMA) policy gradients (Foerster et al., 2018)</a:t>
-            </a:r>
-          </a:p>
-          <a:p>
-            <a:pPr lvl="1"/>
-            <a:r>
-              <a:rPr lang="en-US" altLang="ko-KR" sz="2000" dirty="0"/>
-              <a:t>fully </a:t>
-            </a:r>
-            <a:r>
-              <a:rPr lang="en-US" altLang="ko-KR" sz="2000" dirty="0" err="1"/>
-              <a:t>centralizede</a:t>
-            </a:r>
-            <a:r>
-              <a:rPr lang="ko-KR" altLang="en-US" sz="2000" dirty="0"/>
-              <a:t>된 </a:t>
-            </a:r>
-            <a:r>
-              <a:rPr lang="en-US" altLang="ko-KR" sz="2000" dirty="0"/>
-              <a:t>state-action value(Q-tot) </a:t>
-            </a:r>
-            <a:r>
-              <a:rPr lang="ko-KR" altLang="en-US" sz="2000" dirty="0"/>
-              <a:t>사용</a:t>
-            </a:r>
-            <a:endParaRPr lang="en-US" altLang="ko-KR" sz="2000" dirty="0"/>
-          </a:p>
-          <a:p>
-            <a:pPr lvl="1"/>
-            <a:r>
-              <a:rPr lang="en-US" altLang="ko-KR" sz="2000" dirty="0"/>
-              <a:t>Q-tot</a:t>
-            </a:r>
-            <a:r>
-              <a:rPr lang="ko-KR" altLang="en-US" sz="2000" dirty="0"/>
-              <a:t>를 </a:t>
-            </a:r>
-            <a:r>
-              <a:rPr lang="en-US" altLang="ko-KR" sz="2000" dirty="0"/>
-              <a:t>actor-critic </a:t>
-            </a:r>
-            <a:r>
-              <a:rPr lang="ko-KR" altLang="en-US" sz="2000" dirty="0"/>
-              <a:t>방법으로 </a:t>
-            </a:r>
-            <a:r>
-              <a:rPr lang="en-US" altLang="ko-KR" sz="2000" dirty="0"/>
-              <a:t>optimizing </a:t>
-            </a:r>
-            <a:r>
-              <a:rPr lang="ko-KR" altLang="en-US" sz="2000" dirty="0"/>
-              <a:t>시킴</a:t>
-            </a:r>
-            <a:endParaRPr lang="en-US" altLang="ko-KR" sz="2000" dirty="0"/>
-          </a:p>
-          <a:p>
-            <a:endParaRPr lang="en-US" altLang="ko-KR" sz="2400" dirty="0"/>
-          </a:p>
-          <a:p>
-            <a:endParaRPr lang="en-US" altLang="ko-KR" sz="2400" dirty="0"/>
-          </a:p>
-          <a:p>
-            <a:pPr marL="0" indent="0">
-              <a:buNone/>
-            </a:pPr>
-            <a:r>
-              <a:rPr lang="en-US" altLang="ko-KR" sz="2400" dirty="0"/>
-              <a:t>	</a:t>
-            </a:r>
-            <a:r>
-              <a:rPr lang="en-US" altLang="ko-KR" sz="2400" b="1" dirty="0"/>
-              <a:t> on-policy learning </a:t>
-            </a:r>
-            <a:r>
-              <a:rPr lang="ko-KR" altLang="en-US" sz="2400" b="1" dirty="0"/>
-              <a:t>방법인데 </a:t>
-            </a:r>
-            <a:r>
-              <a:rPr lang="en-US" altLang="ko-KR" sz="2400" b="1" dirty="0"/>
-              <a:t>sample </a:t>
-            </a:r>
-            <a:r>
-              <a:rPr lang="ko-KR" altLang="en-US" sz="2400" b="1" dirty="0"/>
-              <a:t>비효율 적이다</a:t>
-            </a:r>
-            <a:r>
-              <a:rPr lang="en-US" altLang="ko-KR" sz="2400" b="1" dirty="0"/>
-              <a:t>.</a:t>
-            </a:r>
-          </a:p>
-          <a:p>
-            <a:pPr marL="0" indent="0">
-              <a:buNone/>
-            </a:pPr>
-            <a:r>
-              <a:rPr lang="en-US" altLang="ko-KR" sz="2400" b="1" dirty="0"/>
-              <a:t>	 </a:t>
-            </a:r>
-          </a:p>
-          <a:p>
-            <a:pPr marL="0" indent="0">
-              <a:buNone/>
-            </a:pPr>
-            <a:r>
-              <a:rPr lang="en-US" altLang="ko-KR" sz="2400" b="1" dirty="0"/>
-              <a:t>	fully </a:t>
-            </a:r>
-            <a:r>
-              <a:rPr lang="en-US" altLang="ko-KR" sz="2400" b="1" dirty="0" err="1"/>
-              <a:t>centralised</a:t>
-            </a:r>
-            <a:r>
-              <a:rPr lang="en-US" altLang="ko-KR" sz="2400" b="1" dirty="0"/>
-              <a:t> critic</a:t>
-            </a:r>
-            <a:r>
-              <a:rPr lang="ko-KR" altLang="en-US" sz="2400" b="1" dirty="0"/>
-              <a:t>학습은 소수의 </a:t>
-            </a:r>
-            <a:r>
-              <a:rPr lang="en-US" altLang="ko-KR" sz="2400" b="1" dirty="0"/>
-              <a:t>agent</a:t>
-            </a:r>
-            <a:r>
-              <a:rPr lang="ko-KR" altLang="en-US" sz="2400" b="1" dirty="0"/>
-              <a:t>에서도</a:t>
-            </a:r>
-            <a:endParaRPr lang="en-US" altLang="ko-KR" sz="2400" b="1" dirty="0"/>
-          </a:p>
-          <a:p>
-            <a:pPr marL="0" indent="0">
-              <a:buNone/>
-            </a:pPr>
-            <a:r>
-              <a:rPr lang="en-US" altLang="ko-KR" sz="2400" b="1" dirty="0"/>
-              <a:t>	</a:t>
-            </a:r>
-            <a:r>
-              <a:rPr lang="ko-KR" altLang="en-US" sz="2400" b="1" dirty="0"/>
-              <a:t> 비 실용적이다</a:t>
-            </a:r>
-            <a:endParaRPr lang="en-US" altLang="ko-KR" sz="2400" b="1" dirty="0"/>
-          </a:p>
-          <a:p>
-            <a:pPr marL="0" indent="0">
-              <a:buNone/>
-            </a:pPr>
-            <a:r>
-              <a:rPr lang="en-US" altLang="ko-KR" sz="2400" dirty="0"/>
-              <a:t>	</a:t>
-            </a:r>
-          </a:p>
-          <a:p>
-            <a:pPr marL="0" indent="0">
-              <a:buNone/>
-            </a:pPr>
-            <a:r>
-              <a:rPr lang="en-US" altLang="ko-KR" sz="2400" dirty="0"/>
-              <a:t>	</a:t>
-            </a:r>
-          </a:p>
-          <a:p>
-            <a:pPr marL="0" indent="0">
-              <a:buNone/>
-            </a:pPr>
-            <a:r>
-              <a:rPr lang="en-US" altLang="ko-KR" sz="2400" dirty="0"/>
-              <a:t>							</a:t>
-            </a:r>
-          </a:p>
-          <a:p>
-            <a:pPr marL="0" indent="0">
-              <a:buNone/>
-            </a:pPr>
-            <a:endParaRPr lang="en-US" altLang="ko-KR" sz="2400" dirty="0"/>
-          </a:p>
-          <a:p>
-            <a:pPr marL="0" indent="0">
-              <a:buNone/>
-            </a:pPr>
-            <a:endParaRPr lang="en-US" altLang="ko-KR" sz="2400" dirty="0"/>
-          </a:p>
-          <a:p>
-            <a:pPr marL="0" indent="0">
-              <a:buNone/>
-            </a:pPr>
-            <a:endParaRPr lang="en-US" altLang="ko-KR" sz="2400" dirty="0"/>
-          </a:p>
-          <a:p>
-            <a:pPr marL="0" indent="0">
-              <a:buNone/>
-            </a:pPr>
-            <a:endParaRPr lang="en-US" altLang="ko-KR" sz="2000" dirty="0"/>
-          </a:p>
-          <a:p>
-            <a:endParaRPr lang="en-US" altLang="ko-KR" sz="2000" dirty="0">
-              <a:latin typeface="+mj-ea"/>
-            </a:endParaRPr>
-          </a:p>
-          <a:p>
-            <a:endParaRPr lang="en-US" altLang="ko-KR" sz="2400" dirty="0">
-              <a:latin typeface="+mj-ea"/>
-            </a:endParaRPr>
-          </a:p>
-          <a:p>
-            <a:endParaRPr lang="en-US" altLang="ko-KR" sz="2400" dirty="0">
-              <a:latin typeface="+mj-ea"/>
-            </a:endParaRPr>
-          </a:p>
-          <a:p>
-            <a:pPr lvl="1"/>
-            <a:endParaRPr lang="en-US" altLang="ko-KR" sz="2000" dirty="0">
-              <a:latin typeface="+mj-ea"/>
-            </a:endParaRPr>
-          </a:p>
-          <a:p>
-            <a:pPr marL="0" indent="0">
-              <a:buNone/>
-            </a:pPr>
-            <a:r>
-              <a:rPr lang="en-US" altLang="ko-KR" dirty="0">
-                <a:latin typeface="+mj-ea"/>
-              </a:rPr>
-              <a:t>	</a:t>
-            </a:r>
-            <a:r>
-              <a:rPr lang="en-US" altLang="ko-KR" b="1" dirty="0">
-                <a:latin typeface="+mj-ea"/>
-              </a:rPr>
-              <a:t>agent</a:t>
-            </a:r>
-            <a:r>
-              <a:rPr lang="ko-KR" altLang="en-US" b="1" dirty="0">
-                <a:latin typeface="+mj-ea"/>
-              </a:rPr>
-              <a:t>간의 명쾌한 상호작용을 보여주지 않음</a:t>
-            </a:r>
-            <a:endParaRPr lang="en-US" altLang="ko-KR" b="1" dirty="0">
-              <a:latin typeface="+mj-ea"/>
-            </a:endParaRPr>
-          </a:p>
-          <a:p>
-            <a:pPr lvl="1"/>
-            <a:endParaRPr lang="en-US" altLang="ko-KR" sz="2800" b="1" dirty="0"/>
-          </a:p>
-          <a:p>
-            <a:endParaRPr lang="en-US" altLang="ko-KR" dirty="0"/>
-          </a:p>
-          <a:p>
-            <a:endParaRPr lang="en-US" altLang="ko-KR" dirty="0"/>
-          </a:p>
-          <a:p>
-            <a:endParaRPr lang="ko-KR" altLang="en-US" dirty="0"/>
+            <a:endParaRPr lang="ko-KR" altLang="en-US"/>
           </a:p>
         </p:txBody>
       </p:sp>
     </p:spTree>
     <p:extLst>
       <p:ext uri="{BB962C8B-B14F-4D97-AF65-F5344CB8AC3E}">
-        <p14:creationId xmlns:p14="http://schemas.microsoft.com/office/powerpoint/2010/main" val="2317907512"/>
+        <p14:creationId xmlns:p14="http://schemas.microsoft.com/office/powerpoint/2010/main" val="1955927228"/>
       </p:ext>
     </p:extLst>
   </p:cSld>
